--- a/Locker Rentals Website.pptx
+++ b/Locker Rentals Website.pptx
@@ -12,23 +12,33 @@
     <p:sldId id="257" r:id="rId7"/>
     <p:sldId id="258" r:id="rId8"/>
     <p:sldId id="259" r:id="rId9"/>
+    <p:sldId id="260" r:id="rId10"/>
+    <p:sldId id="261" r:id="rId11"/>
+    <p:sldId id="262" r:id="rId12"/>
+    <p:sldId id="263" r:id="rId13"/>
+    <p:sldId id="264" r:id="rId14"/>
+    <p:sldId id="265" r:id="rId15"/>
+    <p:sldId id="266" r:id="rId16"/>
+    <p:sldId id="267" r:id="rId17"/>
+    <p:sldId id="268" r:id="rId18"/>
+    <p:sldId id="269" r:id="rId19"/>
   </p:sldIdLst>
   <p:sldSz cy="5143500" cx="9144000"/>
   <p:notesSz cx="6858000" cy="9144000"/>
   <p:embeddedFontLst>
     <p:embeddedFont>
       <p:font typeface="Montserrat"/>
-      <p:regular r:id="rId10"/>
-      <p:bold r:id="rId11"/>
-      <p:italic r:id="rId12"/>
-      <p:boldItalic r:id="rId13"/>
+      <p:regular r:id="rId20"/>
+      <p:bold r:id="rId21"/>
+      <p:italic r:id="rId22"/>
+      <p:boldItalic r:id="rId23"/>
     </p:embeddedFont>
     <p:embeddedFont>
       <p:font typeface="Lato"/>
-      <p:regular r:id="rId14"/>
-      <p:bold r:id="rId15"/>
-      <p:italic r:id="rId16"/>
-      <p:boldItalic r:id="rId17"/>
+      <p:regular r:id="rId24"/>
+      <p:bold r:id="rId25"/>
+      <p:italic r:id="rId26"/>
+      <p:boldItalic r:id="rId27"/>
     </p:embeddedFont>
   </p:embeddedFontLst>
   <p:defaultTextStyle>
@@ -804,6 +814,501 @@
 </p:notes>
 </file>
 
+<file path=ppt/notesSlides/notesSlide10.xml><?xml version="1.0" encoding="utf-8"?>
+<p:notes xmlns:a="http://schemas.openxmlformats.org/drawingml/2006/main" xmlns:r="http://schemas.openxmlformats.org/officeDocument/2006/relationships" xmlns:mc="http://schemas.openxmlformats.org/markup-compatibility/2006" xmlns:mv="urn:schemas-microsoft-com:mac:vml" xmlns:p="http://schemas.openxmlformats.org/presentationml/2006/main" xmlns:c="http://schemas.openxmlformats.org/drawingml/2006/chart" xmlns:dgm="http://schemas.openxmlformats.org/drawingml/2006/diagram" xmlns:o="urn:schemas-microsoft-com:office:office" xmlns:v="urn:schemas-microsoft-com:vml" xmlns:pvml="urn:schemas-microsoft-com:office:powerpoint" xmlns:com="http://schemas.openxmlformats.org/drawingml/2006/compatibility" xmlns:p14="http://schemas.microsoft.com/office/powerpoint/2010/main" xmlns:p15="http://schemas.microsoft.com/office/powerpoint/2012/main" showMasterPhAnim="0" showMasterSp="0">
+  <p:cSld>
+    <p:spTree>
+      <p:nvGrpSpPr>
+        <p:cNvPr id="188" name="Shape 188"/>
+        <p:cNvGrpSpPr/>
+        <p:nvPr/>
+      </p:nvGrpSpPr>
+      <p:grpSpPr>
+        <a:xfrm>
+          <a:off x="0" y="0"/>
+          <a:ext cx="0" cy="0"/>
+          <a:chOff x="0" y="0"/>
+          <a:chExt cx="0" cy="0"/>
+        </a:xfrm>
+      </p:grpSpPr>
+      <p:sp>
+        <p:nvSpPr>
+          <p:cNvPr id="189" name="Google Shape;189;g7ac013ad89_0_5:notes"/>
+          <p:cNvSpPr/>
+          <p:nvPr>
+            <p:ph idx="2" type="sldImg"/>
+          </p:nvPr>
+        </p:nvSpPr>
+        <p:spPr>
+          <a:xfrm>
+            <a:off x="381300" y="685800"/>
+            <a:ext cx="6096000" cy="3429000"/>
+          </a:xfrm>
+          <a:custGeom>
+            <a:rect b="b" l="l" r="r" t="t"/>
+            <a:pathLst>
+              <a:path extrusionOk="0" h="120000" w="120000">
+                <a:moveTo>
+                  <a:pt x="0" y="0"/>
+                </a:moveTo>
+                <a:lnTo>
+                  <a:pt x="120000" y="0"/>
+                </a:lnTo>
+                <a:lnTo>
+                  <a:pt x="120000" y="120000"/>
+                </a:lnTo>
+                <a:lnTo>
+                  <a:pt x="0" y="120000"/>
+                </a:lnTo>
+                <a:close/>
+              </a:path>
+            </a:pathLst>
+          </a:custGeom>
+        </p:spPr>
+      </p:sp>
+      <p:sp>
+        <p:nvSpPr>
+          <p:cNvPr id="190" name="Google Shape;190;g7ac013ad89_0_5:notes"/>
+          <p:cNvSpPr txBox="1"/>
+          <p:nvPr>
+            <p:ph idx="1" type="body"/>
+          </p:nvPr>
+        </p:nvSpPr>
+        <p:spPr>
+          <a:xfrm>
+            <a:off x="685800" y="4343400"/>
+            <a:ext cx="5486400" cy="4114800"/>
+          </a:xfrm>
+          <a:prstGeom prst="rect">
+            <a:avLst/>
+          </a:prstGeom>
+        </p:spPr>
+        <p:txBody>
+          <a:bodyPr anchorCtr="0" anchor="t" bIns="91425" lIns="91425" spcFirstLastPara="1" rIns="91425" wrap="square" tIns="91425">
+            <a:noAutofit/>
+          </a:bodyPr>
+          <a:lstStyle/>
+          <a:p>
+            <a:pPr indent="0" lvl="0" marL="0" rtl="0" algn="l">
+              <a:spcBef>
+                <a:spcPts val="0"/>
+              </a:spcBef>
+              <a:spcAft>
+                <a:spcPts val="0"/>
+              </a:spcAft>
+              <a:buNone/>
+            </a:pPr>
+            <a:r>
+              <a:t/>
+            </a:r>
+            <a:endParaRPr/>
+          </a:p>
+        </p:txBody>
+      </p:sp>
+    </p:spTree>
+  </p:cSld>
+  <p:clrMapOvr>
+    <a:masterClrMapping/>
+  </p:clrMapOvr>
+</p:notes>
+</file>
+
+<file path=ppt/notesSlides/notesSlide11.xml><?xml version="1.0" encoding="utf-8"?>
+<p:notes xmlns:a="http://schemas.openxmlformats.org/drawingml/2006/main" xmlns:r="http://schemas.openxmlformats.org/officeDocument/2006/relationships" xmlns:mc="http://schemas.openxmlformats.org/markup-compatibility/2006" xmlns:mv="urn:schemas-microsoft-com:mac:vml" xmlns:p="http://schemas.openxmlformats.org/presentationml/2006/main" xmlns:c="http://schemas.openxmlformats.org/drawingml/2006/chart" xmlns:dgm="http://schemas.openxmlformats.org/drawingml/2006/diagram" xmlns:o="urn:schemas-microsoft-com:office:office" xmlns:v="urn:schemas-microsoft-com:vml" xmlns:pvml="urn:schemas-microsoft-com:office:powerpoint" xmlns:com="http://schemas.openxmlformats.org/drawingml/2006/compatibility" xmlns:p14="http://schemas.microsoft.com/office/powerpoint/2010/main" xmlns:p15="http://schemas.microsoft.com/office/powerpoint/2012/main" showMasterPhAnim="0" showMasterSp="0">
+  <p:cSld>
+    <p:spTree>
+      <p:nvGrpSpPr>
+        <p:cNvPr id="194" name="Shape 194"/>
+        <p:cNvGrpSpPr/>
+        <p:nvPr/>
+      </p:nvGrpSpPr>
+      <p:grpSpPr>
+        <a:xfrm>
+          <a:off x="0" y="0"/>
+          <a:ext cx="0" cy="0"/>
+          <a:chOff x="0" y="0"/>
+          <a:chExt cx="0" cy="0"/>
+        </a:xfrm>
+      </p:grpSpPr>
+      <p:sp>
+        <p:nvSpPr>
+          <p:cNvPr id="195" name="Google Shape;195;g7ac5a71704_1_10:notes"/>
+          <p:cNvSpPr/>
+          <p:nvPr>
+            <p:ph idx="2" type="sldImg"/>
+          </p:nvPr>
+        </p:nvSpPr>
+        <p:spPr>
+          <a:xfrm>
+            <a:off x="381300" y="685800"/>
+            <a:ext cx="6096000" cy="3429000"/>
+          </a:xfrm>
+          <a:custGeom>
+            <a:rect b="b" l="l" r="r" t="t"/>
+            <a:pathLst>
+              <a:path extrusionOk="0" h="120000" w="120000">
+                <a:moveTo>
+                  <a:pt x="0" y="0"/>
+                </a:moveTo>
+                <a:lnTo>
+                  <a:pt x="120000" y="0"/>
+                </a:lnTo>
+                <a:lnTo>
+                  <a:pt x="120000" y="120000"/>
+                </a:lnTo>
+                <a:lnTo>
+                  <a:pt x="0" y="120000"/>
+                </a:lnTo>
+                <a:close/>
+              </a:path>
+            </a:pathLst>
+          </a:custGeom>
+        </p:spPr>
+      </p:sp>
+      <p:sp>
+        <p:nvSpPr>
+          <p:cNvPr id="196" name="Google Shape;196;g7ac5a71704_1_10:notes"/>
+          <p:cNvSpPr txBox="1"/>
+          <p:nvPr>
+            <p:ph idx="1" type="body"/>
+          </p:nvPr>
+        </p:nvSpPr>
+        <p:spPr>
+          <a:xfrm>
+            <a:off x="685800" y="4343400"/>
+            <a:ext cx="5486400" cy="4114800"/>
+          </a:xfrm>
+          <a:prstGeom prst="rect">
+            <a:avLst/>
+          </a:prstGeom>
+        </p:spPr>
+        <p:txBody>
+          <a:bodyPr anchorCtr="0" anchor="t" bIns="91425" lIns="91425" spcFirstLastPara="1" rIns="91425" wrap="square" tIns="91425">
+            <a:noAutofit/>
+          </a:bodyPr>
+          <a:lstStyle/>
+          <a:p>
+            <a:pPr indent="0" lvl="0" marL="0" rtl="0" algn="l">
+              <a:spcBef>
+                <a:spcPts val="0"/>
+              </a:spcBef>
+              <a:spcAft>
+                <a:spcPts val="0"/>
+              </a:spcAft>
+              <a:buNone/>
+            </a:pPr>
+            <a:r>
+              <a:t/>
+            </a:r>
+            <a:endParaRPr/>
+          </a:p>
+        </p:txBody>
+      </p:sp>
+    </p:spTree>
+  </p:cSld>
+  <p:clrMapOvr>
+    <a:masterClrMapping/>
+  </p:clrMapOvr>
+</p:notes>
+</file>
+
+<file path=ppt/notesSlides/notesSlide12.xml><?xml version="1.0" encoding="utf-8"?>
+<p:notes xmlns:a="http://schemas.openxmlformats.org/drawingml/2006/main" xmlns:r="http://schemas.openxmlformats.org/officeDocument/2006/relationships" xmlns:mc="http://schemas.openxmlformats.org/markup-compatibility/2006" xmlns:mv="urn:schemas-microsoft-com:mac:vml" xmlns:p="http://schemas.openxmlformats.org/presentationml/2006/main" xmlns:c="http://schemas.openxmlformats.org/drawingml/2006/chart" xmlns:dgm="http://schemas.openxmlformats.org/drawingml/2006/diagram" xmlns:o="urn:schemas-microsoft-com:office:office" xmlns:v="urn:schemas-microsoft-com:vml" xmlns:pvml="urn:schemas-microsoft-com:office:powerpoint" xmlns:com="http://schemas.openxmlformats.org/drawingml/2006/compatibility" xmlns:p14="http://schemas.microsoft.com/office/powerpoint/2010/main" xmlns:p15="http://schemas.microsoft.com/office/powerpoint/2012/main" showMasterPhAnim="0" showMasterSp="0">
+  <p:cSld>
+    <p:spTree>
+      <p:nvGrpSpPr>
+        <p:cNvPr id="201" name="Shape 201"/>
+        <p:cNvGrpSpPr/>
+        <p:nvPr/>
+      </p:nvGrpSpPr>
+      <p:grpSpPr>
+        <a:xfrm>
+          <a:off x="0" y="0"/>
+          <a:ext cx="0" cy="0"/>
+          <a:chOff x="0" y="0"/>
+          <a:chExt cx="0" cy="0"/>
+        </a:xfrm>
+      </p:grpSpPr>
+      <p:sp>
+        <p:nvSpPr>
+          <p:cNvPr id="202" name="Google Shape;202;g7ac013ad89_0_10:notes"/>
+          <p:cNvSpPr/>
+          <p:nvPr>
+            <p:ph idx="2" type="sldImg"/>
+          </p:nvPr>
+        </p:nvSpPr>
+        <p:spPr>
+          <a:xfrm>
+            <a:off x="381300" y="685800"/>
+            <a:ext cx="6096000" cy="3429000"/>
+          </a:xfrm>
+          <a:custGeom>
+            <a:rect b="b" l="l" r="r" t="t"/>
+            <a:pathLst>
+              <a:path extrusionOk="0" h="120000" w="120000">
+                <a:moveTo>
+                  <a:pt x="0" y="0"/>
+                </a:moveTo>
+                <a:lnTo>
+                  <a:pt x="120000" y="0"/>
+                </a:lnTo>
+                <a:lnTo>
+                  <a:pt x="120000" y="120000"/>
+                </a:lnTo>
+                <a:lnTo>
+                  <a:pt x="0" y="120000"/>
+                </a:lnTo>
+                <a:close/>
+              </a:path>
+            </a:pathLst>
+          </a:custGeom>
+        </p:spPr>
+      </p:sp>
+      <p:sp>
+        <p:nvSpPr>
+          <p:cNvPr id="203" name="Google Shape;203;g7ac013ad89_0_10:notes"/>
+          <p:cNvSpPr txBox="1"/>
+          <p:nvPr>
+            <p:ph idx="1" type="body"/>
+          </p:nvPr>
+        </p:nvSpPr>
+        <p:spPr>
+          <a:xfrm>
+            <a:off x="685800" y="4343400"/>
+            <a:ext cx="5486400" cy="4114800"/>
+          </a:xfrm>
+          <a:prstGeom prst="rect">
+            <a:avLst/>
+          </a:prstGeom>
+        </p:spPr>
+        <p:txBody>
+          <a:bodyPr anchorCtr="0" anchor="t" bIns="91425" lIns="91425" spcFirstLastPara="1" rIns="91425" wrap="square" tIns="91425">
+            <a:noAutofit/>
+          </a:bodyPr>
+          <a:lstStyle/>
+          <a:p>
+            <a:pPr indent="0" lvl="0" marL="0" rtl="0" algn="l">
+              <a:spcBef>
+                <a:spcPts val="0"/>
+              </a:spcBef>
+              <a:spcAft>
+                <a:spcPts val="0"/>
+              </a:spcAft>
+              <a:buNone/>
+            </a:pPr>
+            <a:r>
+              <a:t/>
+            </a:r>
+            <a:endParaRPr/>
+          </a:p>
+        </p:txBody>
+      </p:sp>
+    </p:spTree>
+  </p:cSld>
+  <p:clrMapOvr>
+    <a:masterClrMapping/>
+  </p:clrMapOvr>
+</p:notes>
+</file>
+
+<file path=ppt/notesSlides/notesSlide13.xml><?xml version="1.0" encoding="utf-8"?>
+<p:notes xmlns:a="http://schemas.openxmlformats.org/drawingml/2006/main" xmlns:r="http://schemas.openxmlformats.org/officeDocument/2006/relationships" xmlns:mc="http://schemas.openxmlformats.org/markup-compatibility/2006" xmlns:mv="urn:schemas-microsoft-com:mac:vml" xmlns:p="http://schemas.openxmlformats.org/presentationml/2006/main" xmlns:c="http://schemas.openxmlformats.org/drawingml/2006/chart" xmlns:dgm="http://schemas.openxmlformats.org/drawingml/2006/diagram" xmlns:o="urn:schemas-microsoft-com:office:office" xmlns:v="urn:schemas-microsoft-com:vml" xmlns:pvml="urn:schemas-microsoft-com:office:powerpoint" xmlns:com="http://schemas.openxmlformats.org/drawingml/2006/compatibility" xmlns:p14="http://schemas.microsoft.com/office/powerpoint/2010/main" xmlns:p15="http://schemas.microsoft.com/office/powerpoint/2012/main" showMasterPhAnim="0" showMasterSp="0">
+  <p:cSld>
+    <p:spTree>
+      <p:nvGrpSpPr>
+        <p:cNvPr id="207" name="Shape 207"/>
+        <p:cNvGrpSpPr/>
+        <p:nvPr/>
+      </p:nvGrpSpPr>
+      <p:grpSpPr>
+        <a:xfrm>
+          <a:off x="0" y="0"/>
+          <a:ext cx="0" cy="0"/>
+          <a:chOff x="0" y="0"/>
+          <a:chExt cx="0" cy="0"/>
+        </a:xfrm>
+      </p:grpSpPr>
+      <p:sp>
+        <p:nvSpPr>
+          <p:cNvPr id="208" name="Google Shape;208;g7ac5a71704_1_15:notes"/>
+          <p:cNvSpPr/>
+          <p:nvPr>
+            <p:ph idx="2" type="sldImg"/>
+          </p:nvPr>
+        </p:nvSpPr>
+        <p:spPr>
+          <a:xfrm>
+            <a:off x="381300" y="685800"/>
+            <a:ext cx="6096000" cy="3429000"/>
+          </a:xfrm>
+          <a:custGeom>
+            <a:rect b="b" l="l" r="r" t="t"/>
+            <a:pathLst>
+              <a:path extrusionOk="0" h="120000" w="120000">
+                <a:moveTo>
+                  <a:pt x="0" y="0"/>
+                </a:moveTo>
+                <a:lnTo>
+                  <a:pt x="120000" y="0"/>
+                </a:lnTo>
+                <a:lnTo>
+                  <a:pt x="120000" y="120000"/>
+                </a:lnTo>
+                <a:lnTo>
+                  <a:pt x="0" y="120000"/>
+                </a:lnTo>
+                <a:close/>
+              </a:path>
+            </a:pathLst>
+          </a:custGeom>
+        </p:spPr>
+      </p:sp>
+      <p:sp>
+        <p:nvSpPr>
+          <p:cNvPr id="209" name="Google Shape;209;g7ac5a71704_1_15:notes"/>
+          <p:cNvSpPr txBox="1"/>
+          <p:nvPr>
+            <p:ph idx="1" type="body"/>
+          </p:nvPr>
+        </p:nvSpPr>
+        <p:spPr>
+          <a:xfrm>
+            <a:off x="685800" y="4343400"/>
+            <a:ext cx="5486400" cy="4114800"/>
+          </a:xfrm>
+          <a:prstGeom prst="rect">
+            <a:avLst/>
+          </a:prstGeom>
+        </p:spPr>
+        <p:txBody>
+          <a:bodyPr anchorCtr="0" anchor="t" bIns="91425" lIns="91425" spcFirstLastPara="1" rIns="91425" wrap="square" tIns="91425">
+            <a:noAutofit/>
+          </a:bodyPr>
+          <a:lstStyle/>
+          <a:p>
+            <a:pPr indent="0" lvl="0" marL="0" rtl="0" algn="l">
+              <a:spcBef>
+                <a:spcPts val="0"/>
+              </a:spcBef>
+              <a:spcAft>
+                <a:spcPts val="0"/>
+              </a:spcAft>
+              <a:buNone/>
+            </a:pPr>
+            <a:r>
+              <a:t/>
+            </a:r>
+            <a:endParaRPr/>
+          </a:p>
+        </p:txBody>
+      </p:sp>
+    </p:spTree>
+  </p:cSld>
+  <p:clrMapOvr>
+    <a:masterClrMapping/>
+  </p:clrMapOvr>
+</p:notes>
+</file>
+
+<file path=ppt/notesSlides/notesSlide14.xml><?xml version="1.0" encoding="utf-8"?>
+<p:notes xmlns:a="http://schemas.openxmlformats.org/drawingml/2006/main" xmlns:r="http://schemas.openxmlformats.org/officeDocument/2006/relationships" xmlns:mc="http://schemas.openxmlformats.org/markup-compatibility/2006" xmlns:mv="urn:schemas-microsoft-com:mac:vml" xmlns:p="http://schemas.openxmlformats.org/presentationml/2006/main" xmlns:c="http://schemas.openxmlformats.org/drawingml/2006/chart" xmlns:dgm="http://schemas.openxmlformats.org/drawingml/2006/diagram" xmlns:o="urn:schemas-microsoft-com:office:office" xmlns:v="urn:schemas-microsoft-com:vml" xmlns:pvml="urn:schemas-microsoft-com:office:powerpoint" xmlns:com="http://schemas.openxmlformats.org/drawingml/2006/compatibility" xmlns:p14="http://schemas.microsoft.com/office/powerpoint/2010/main" xmlns:p15="http://schemas.microsoft.com/office/powerpoint/2012/main" showMasterPhAnim="0" showMasterSp="0">
+  <p:cSld>
+    <p:spTree>
+      <p:nvGrpSpPr>
+        <p:cNvPr id="214" name="Shape 214"/>
+        <p:cNvGrpSpPr/>
+        <p:nvPr/>
+      </p:nvGrpSpPr>
+      <p:grpSpPr>
+        <a:xfrm>
+          <a:off x="0" y="0"/>
+          <a:ext cx="0" cy="0"/>
+          <a:chOff x="0" y="0"/>
+          <a:chExt cx="0" cy="0"/>
+        </a:xfrm>
+      </p:grpSpPr>
+      <p:sp>
+        <p:nvSpPr>
+          <p:cNvPr id="215" name="Google Shape;215;g642caeda92_0_145:notes"/>
+          <p:cNvSpPr/>
+          <p:nvPr>
+            <p:ph idx="2" type="sldImg"/>
+          </p:nvPr>
+        </p:nvSpPr>
+        <p:spPr>
+          <a:xfrm>
+            <a:off x="381300" y="685800"/>
+            <a:ext cx="6096000" cy="3429000"/>
+          </a:xfrm>
+          <a:custGeom>
+            <a:rect b="b" l="l" r="r" t="t"/>
+            <a:pathLst>
+              <a:path extrusionOk="0" h="120000" w="120000">
+                <a:moveTo>
+                  <a:pt x="0" y="0"/>
+                </a:moveTo>
+                <a:lnTo>
+                  <a:pt x="120000" y="0"/>
+                </a:lnTo>
+                <a:lnTo>
+                  <a:pt x="120000" y="120000"/>
+                </a:lnTo>
+                <a:lnTo>
+                  <a:pt x="0" y="120000"/>
+                </a:lnTo>
+                <a:close/>
+              </a:path>
+            </a:pathLst>
+          </a:custGeom>
+        </p:spPr>
+      </p:sp>
+      <p:sp>
+        <p:nvSpPr>
+          <p:cNvPr id="216" name="Google Shape;216;g642caeda92_0_145:notes"/>
+          <p:cNvSpPr txBox="1"/>
+          <p:nvPr>
+            <p:ph idx="1" type="body"/>
+          </p:nvPr>
+        </p:nvSpPr>
+        <p:spPr>
+          <a:xfrm>
+            <a:off x="685800" y="4343400"/>
+            <a:ext cx="5486400" cy="4114800"/>
+          </a:xfrm>
+          <a:prstGeom prst="rect">
+            <a:avLst/>
+          </a:prstGeom>
+        </p:spPr>
+        <p:txBody>
+          <a:bodyPr anchorCtr="0" anchor="t" bIns="91425" lIns="91425" spcFirstLastPara="1" rIns="91425" wrap="square" tIns="91425">
+            <a:noAutofit/>
+          </a:bodyPr>
+          <a:lstStyle/>
+          <a:p>
+            <a:pPr indent="0" lvl="0" marL="0" rtl="0" algn="l">
+              <a:spcBef>
+                <a:spcPts val="0"/>
+              </a:spcBef>
+              <a:spcAft>
+                <a:spcPts val="0"/>
+              </a:spcAft>
+              <a:buNone/>
+            </a:pPr>
+            <a:r>
+              <a:t/>
+            </a:r>
+            <a:endParaRPr/>
+          </a:p>
+        </p:txBody>
+      </p:sp>
+    </p:spTree>
+  </p:cSld>
+  <p:clrMapOvr>
+    <a:masterClrMapping/>
+  </p:clrMapOvr>
+</p:notes>
+</file>
+
 <file path=ppt/notesSlides/notesSlide2.xml><?xml version="1.0" encoding="utf-8"?>
 <p:notes xmlns:a="http://schemas.openxmlformats.org/drawingml/2006/main" xmlns:r="http://schemas.openxmlformats.org/officeDocument/2006/relationships" xmlns:mc="http://schemas.openxmlformats.org/markup-compatibility/2006" xmlns:mv="urn:schemas-microsoft-com:mac:vml" xmlns:p="http://schemas.openxmlformats.org/presentationml/2006/main" xmlns:c="http://schemas.openxmlformats.org/drawingml/2006/chart" xmlns:dgm="http://schemas.openxmlformats.org/drawingml/2006/diagram" xmlns:o="urn:schemas-microsoft-com:office:office" xmlns:v="urn:schemas-microsoft-com:vml" xmlns:pvml="urn:schemas-microsoft-com:office:powerpoint" xmlns:com="http://schemas.openxmlformats.org/drawingml/2006/compatibility" xmlns:p14="http://schemas.microsoft.com/office/powerpoint/2010/main" xmlns:p15="http://schemas.microsoft.com/office/powerpoint/2012/main" showMasterPhAnim="0" showMasterSp="0">
   <p:cSld>
@@ -1021,7 +1526,7 @@
       </p:grpSpPr>
       <p:sp>
         <p:nvSpPr>
-          <p:cNvPr id="149" name="Google Shape;149;g642caeda92_0_145:notes"/>
+          <p:cNvPr id="149" name="Google Shape;149;g7ac5a71704_1_35:notes"/>
           <p:cNvSpPr/>
           <p:nvPr>
             <p:ph idx="2" type="sldImg"/>
@@ -1056,7 +1561,502 @@
       </p:sp>
       <p:sp>
         <p:nvSpPr>
-          <p:cNvPr id="150" name="Google Shape;150;g642caeda92_0_145:notes"/>
+          <p:cNvPr id="150" name="Google Shape;150;g7ac5a71704_1_35:notes"/>
+          <p:cNvSpPr txBox="1"/>
+          <p:nvPr>
+            <p:ph idx="1" type="body"/>
+          </p:nvPr>
+        </p:nvSpPr>
+        <p:spPr>
+          <a:xfrm>
+            <a:off x="685800" y="4343400"/>
+            <a:ext cx="5486400" cy="4114800"/>
+          </a:xfrm>
+          <a:prstGeom prst="rect">
+            <a:avLst/>
+          </a:prstGeom>
+        </p:spPr>
+        <p:txBody>
+          <a:bodyPr anchorCtr="0" anchor="t" bIns="91425" lIns="91425" spcFirstLastPara="1" rIns="91425" wrap="square" tIns="91425">
+            <a:noAutofit/>
+          </a:bodyPr>
+          <a:lstStyle/>
+          <a:p>
+            <a:pPr indent="0" lvl="0" marL="0" rtl="0" algn="l">
+              <a:spcBef>
+                <a:spcPts val="0"/>
+              </a:spcBef>
+              <a:spcAft>
+                <a:spcPts val="0"/>
+              </a:spcAft>
+              <a:buNone/>
+            </a:pPr>
+            <a:r>
+              <a:t/>
+            </a:r>
+            <a:endParaRPr/>
+          </a:p>
+        </p:txBody>
+      </p:sp>
+    </p:spTree>
+  </p:cSld>
+  <p:clrMapOvr>
+    <a:masterClrMapping/>
+  </p:clrMapOvr>
+</p:notes>
+</file>
+
+<file path=ppt/notesSlides/notesSlide5.xml><?xml version="1.0" encoding="utf-8"?>
+<p:notes xmlns:a="http://schemas.openxmlformats.org/drawingml/2006/main" xmlns:r="http://schemas.openxmlformats.org/officeDocument/2006/relationships" xmlns:mc="http://schemas.openxmlformats.org/markup-compatibility/2006" xmlns:mv="urn:schemas-microsoft-com:mac:vml" xmlns:p="http://schemas.openxmlformats.org/presentationml/2006/main" xmlns:c="http://schemas.openxmlformats.org/drawingml/2006/chart" xmlns:dgm="http://schemas.openxmlformats.org/drawingml/2006/diagram" xmlns:o="urn:schemas-microsoft-com:office:office" xmlns:v="urn:schemas-microsoft-com:vml" xmlns:pvml="urn:schemas-microsoft-com:office:powerpoint" xmlns:com="http://schemas.openxmlformats.org/drawingml/2006/compatibility" xmlns:p14="http://schemas.microsoft.com/office/powerpoint/2010/main" xmlns:p15="http://schemas.microsoft.com/office/powerpoint/2012/main" showMasterPhAnim="0" showMasterSp="0">
+  <p:cSld>
+    <p:spTree>
+      <p:nvGrpSpPr>
+        <p:cNvPr id="155" name="Shape 155"/>
+        <p:cNvGrpSpPr/>
+        <p:nvPr/>
+      </p:nvGrpSpPr>
+      <p:grpSpPr>
+        <a:xfrm>
+          <a:off x="0" y="0"/>
+          <a:ext cx="0" cy="0"/>
+          <a:chOff x="0" y="0"/>
+          <a:chExt cx="0" cy="0"/>
+        </a:xfrm>
+      </p:grpSpPr>
+      <p:sp>
+        <p:nvSpPr>
+          <p:cNvPr id="156" name="Google Shape;156;g7ac013ad89_0_0:notes"/>
+          <p:cNvSpPr/>
+          <p:nvPr>
+            <p:ph idx="2" type="sldImg"/>
+          </p:nvPr>
+        </p:nvSpPr>
+        <p:spPr>
+          <a:xfrm>
+            <a:off x="381300" y="685800"/>
+            <a:ext cx="6096000" cy="3429000"/>
+          </a:xfrm>
+          <a:custGeom>
+            <a:rect b="b" l="l" r="r" t="t"/>
+            <a:pathLst>
+              <a:path extrusionOk="0" h="120000" w="120000">
+                <a:moveTo>
+                  <a:pt x="0" y="0"/>
+                </a:moveTo>
+                <a:lnTo>
+                  <a:pt x="120000" y="0"/>
+                </a:lnTo>
+                <a:lnTo>
+                  <a:pt x="120000" y="120000"/>
+                </a:lnTo>
+                <a:lnTo>
+                  <a:pt x="0" y="120000"/>
+                </a:lnTo>
+                <a:close/>
+              </a:path>
+            </a:pathLst>
+          </a:custGeom>
+        </p:spPr>
+      </p:sp>
+      <p:sp>
+        <p:nvSpPr>
+          <p:cNvPr id="157" name="Google Shape;157;g7ac013ad89_0_0:notes"/>
+          <p:cNvSpPr txBox="1"/>
+          <p:nvPr>
+            <p:ph idx="1" type="body"/>
+          </p:nvPr>
+        </p:nvSpPr>
+        <p:spPr>
+          <a:xfrm>
+            <a:off x="685800" y="4343400"/>
+            <a:ext cx="5486400" cy="4114800"/>
+          </a:xfrm>
+          <a:prstGeom prst="rect">
+            <a:avLst/>
+          </a:prstGeom>
+        </p:spPr>
+        <p:txBody>
+          <a:bodyPr anchorCtr="0" anchor="t" bIns="91425" lIns="91425" spcFirstLastPara="1" rIns="91425" wrap="square" tIns="91425">
+            <a:noAutofit/>
+          </a:bodyPr>
+          <a:lstStyle/>
+          <a:p>
+            <a:pPr indent="0" lvl="0" marL="0" rtl="0" algn="l">
+              <a:spcBef>
+                <a:spcPts val="0"/>
+              </a:spcBef>
+              <a:spcAft>
+                <a:spcPts val="0"/>
+              </a:spcAft>
+              <a:buNone/>
+            </a:pPr>
+            <a:r>
+              <a:t/>
+            </a:r>
+            <a:endParaRPr/>
+          </a:p>
+        </p:txBody>
+      </p:sp>
+    </p:spTree>
+  </p:cSld>
+  <p:clrMapOvr>
+    <a:masterClrMapping/>
+  </p:clrMapOvr>
+</p:notes>
+</file>
+
+<file path=ppt/notesSlides/notesSlide6.xml><?xml version="1.0" encoding="utf-8"?>
+<p:notes xmlns:a="http://schemas.openxmlformats.org/drawingml/2006/main" xmlns:r="http://schemas.openxmlformats.org/officeDocument/2006/relationships" xmlns:mc="http://schemas.openxmlformats.org/markup-compatibility/2006" xmlns:mv="urn:schemas-microsoft-com:mac:vml" xmlns:p="http://schemas.openxmlformats.org/presentationml/2006/main" xmlns:c="http://schemas.openxmlformats.org/drawingml/2006/chart" xmlns:dgm="http://schemas.openxmlformats.org/drawingml/2006/diagram" xmlns:o="urn:schemas-microsoft-com:office:office" xmlns:v="urn:schemas-microsoft-com:vml" xmlns:pvml="urn:schemas-microsoft-com:office:powerpoint" xmlns:com="http://schemas.openxmlformats.org/drawingml/2006/compatibility" xmlns:p14="http://schemas.microsoft.com/office/powerpoint/2010/main" xmlns:p15="http://schemas.microsoft.com/office/powerpoint/2012/main" showMasterPhAnim="0" showMasterSp="0">
+  <p:cSld>
+    <p:spTree>
+      <p:nvGrpSpPr>
+        <p:cNvPr id="161" name="Shape 161"/>
+        <p:cNvGrpSpPr/>
+        <p:nvPr/>
+      </p:nvGrpSpPr>
+      <p:grpSpPr>
+        <a:xfrm>
+          <a:off x="0" y="0"/>
+          <a:ext cx="0" cy="0"/>
+          <a:chOff x="0" y="0"/>
+          <a:chExt cx="0" cy="0"/>
+        </a:xfrm>
+      </p:grpSpPr>
+      <p:sp>
+        <p:nvSpPr>
+          <p:cNvPr id="162" name="Google Shape;162;g7ac5a71704_1_0:notes"/>
+          <p:cNvSpPr/>
+          <p:nvPr>
+            <p:ph idx="2" type="sldImg"/>
+          </p:nvPr>
+        </p:nvSpPr>
+        <p:spPr>
+          <a:xfrm>
+            <a:off x="381300" y="685800"/>
+            <a:ext cx="6096000" cy="3429000"/>
+          </a:xfrm>
+          <a:custGeom>
+            <a:rect b="b" l="l" r="r" t="t"/>
+            <a:pathLst>
+              <a:path extrusionOk="0" h="120000" w="120000">
+                <a:moveTo>
+                  <a:pt x="0" y="0"/>
+                </a:moveTo>
+                <a:lnTo>
+                  <a:pt x="120000" y="0"/>
+                </a:lnTo>
+                <a:lnTo>
+                  <a:pt x="120000" y="120000"/>
+                </a:lnTo>
+                <a:lnTo>
+                  <a:pt x="0" y="120000"/>
+                </a:lnTo>
+                <a:close/>
+              </a:path>
+            </a:pathLst>
+          </a:custGeom>
+        </p:spPr>
+      </p:sp>
+      <p:sp>
+        <p:nvSpPr>
+          <p:cNvPr id="163" name="Google Shape;163;g7ac5a71704_1_0:notes"/>
+          <p:cNvSpPr txBox="1"/>
+          <p:nvPr>
+            <p:ph idx="1" type="body"/>
+          </p:nvPr>
+        </p:nvSpPr>
+        <p:spPr>
+          <a:xfrm>
+            <a:off x="685800" y="4343400"/>
+            <a:ext cx="5486400" cy="4114800"/>
+          </a:xfrm>
+          <a:prstGeom prst="rect">
+            <a:avLst/>
+          </a:prstGeom>
+        </p:spPr>
+        <p:txBody>
+          <a:bodyPr anchorCtr="0" anchor="t" bIns="91425" lIns="91425" spcFirstLastPara="1" rIns="91425" wrap="square" tIns="91425">
+            <a:noAutofit/>
+          </a:bodyPr>
+          <a:lstStyle/>
+          <a:p>
+            <a:pPr indent="0" lvl="0" marL="0" rtl="0" algn="l">
+              <a:spcBef>
+                <a:spcPts val="0"/>
+              </a:spcBef>
+              <a:spcAft>
+                <a:spcPts val="0"/>
+              </a:spcAft>
+              <a:buNone/>
+            </a:pPr>
+            <a:r>
+              <a:t/>
+            </a:r>
+            <a:endParaRPr/>
+          </a:p>
+        </p:txBody>
+      </p:sp>
+    </p:spTree>
+  </p:cSld>
+  <p:clrMapOvr>
+    <a:masterClrMapping/>
+  </p:clrMapOvr>
+</p:notes>
+</file>
+
+<file path=ppt/notesSlides/notesSlide7.xml><?xml version="1.0" encoding="utf-8"?>
+<p:notes xmlns:a="http://schemas.openxmlformats.org/drawingml/2006/main" xmlns:r="http://schemas.openxmlformats.org/officeDocument/2006/relationships" xmlns:mc="http://schemas.openxmlformats.org/markup-compatibility/2006" xmlns:mv="urn:schemas-microsoft-com:mac:vml" xmlns:p="http://schemas.openxmlformats.org/presentationml/2006/main" xmlns:c="http://schemas.openxmlformats.org/drawingml/2006/chart" xmlns:dgm="http://schemas.openxmlformats.org/drawingml/2006/diagram" xmlns:o="urn:schemas-microsoft-com:office:office" xmlns:v="urn:schemas-microsoft-com:vml" xmlns:pvml="urn:schemas-microsoft-com:office:powerpoint" xmlns:com="http://schemas.openxmlformats.org/drawingml/2006/compatibility" xmlns:p14="http://schemas.microsoft.com/office/powerpoint/2010/main" xmlns:p15="http://schemas.microsoft.com/office/powerpoint/2012/main" showMasterPhAnim="0" showMasterSp="0">
+  <p:cSld>
+    <p:spTree>
+      <p:nvGrpSpPr>
+        <p:cNvPr id="168" name="Shape 168"/>
+        <p:cNvGrpSpPr/>
+        <p:nvPr/>
+      </p:nvGrpSpPr>
+      <p:grpSpPr>
+        <a:xfrm>
+          <a:off x="0" y="0"/>
+          <a:ext cx="0" cy="0"/>
+          <a:chOff x="0" y="0"/>
+          <a:chExt cx="0" cy="0"/>
+        </a:xfrm>
+      </p:grpSpPr>
+      <p:sp>
+        <p:nvSpPr>
+          <p:cNvPr id="169" name="Google Shape;169;g7ac5a44354_0_0:notes"/>
+          <p:cNvSpPr/>
+          <p:nvPr>
+            <p:ph idx="2" type="sldImg"/>
+          </p:nvPr>
+        </p:nvSpPr>
+        <p:spPr>
+          <a:xfrm>
+            <a:off x="381300" y="685800"/>
+            <a:ext cx="6096000" cy="3429000"/>
+          </a:xfrm>
+          <a:custGeom>
+            <a:rect b="b" l="l" r="r" t="t"/>
+            <a:pathLst>
+              <a:path extrusionOk="0" h="120000" w="120000">
+                <a:moveTo>
+                  <a:pt x="0" y="0"/>
+                </a:moveTo>
+                <a:lnTo>
+                  <a:pt x="120000" y="0"/>
+                </a:lnTo>
+                <a:lnTo>
+                  <a:pt x="120000" y="120000"/>
+                </a:lnTo>
+                <a:lnTo>
+                  <a:pt x="0" y="120000"/>
+                </a:lnTo>
+                <a:close/>
+              </a:path>
+            </a:pathLst>
+          </a:custGeom>
+        </p:spPr>
+      </p:sp>
+      <p:sp>
+        <p:nvSpPr>
+          <p:cNvPr id="170" name="Google Shape;170;g7ac5a44354_0_0:notes"/>
+          <p:cNvSpPr txBox="1"/>
+          <p:nvPr>
+            <p:ph idx="1" type="body"/>
+          </p:nvPr>
+        </p:nvSpPr>
+        <p:spPr>
+          <a:xfrm>
+            <a:off x="685800" y="4343400"/>
+            <a:ext cx="5486400" cy="4114800"/>
+          </a:xfrm>
+          <a:prstGeom prst="rect">
+            <a:avLst/>
+          </a:prstGeom>
+        </p:spPr>
+        <p:txBody>
+          <a:bodyPr anchorCtr="0" anchor="t" bIns="91425" lIns="91425" spcFirstLastPara="1" rIns="91425" wrap="square" tIns="91425">
+            <a:noAutofit/>
+          </a:bodyPr>
+          <a:lstStyle/>
+          <a:p>
+            <a:pPr indent="0" lvl="0" marL="0" rtl="0" algn="l">
+              <a:spcBef>
+                <a:spcPts val="0"/>
+              </a:spcBef>
+              <a:spcAft>
+                <a:spcPts val="0"/>
+              </a:spcAft>
+              <a:buNone/>
+            </a:pPr>
+            <a:r>
+              <a:t/>
+            </a:r>
+            <a:endParaRPr/>
+          </a:p>
+        </p:txBody>
+      </p:sp>
+    </p:spTree>
+  </p:cSld>
+  <p:clrMapOvr>
+    <a:masterClrMapping/>
+  </p:clrMapOvr>
+</p:notes>
+</file>
+
+<file path=ppt/notesSlides/notesSlide8.xml><?xml version="1.0" encoding="utf-8"?>
+<p:notes xmlns:a="http://schemas.openxmlformats.org/drawingml/2006/main" xmlns:r="http://schemas.openxmlformats.org/officeDocument/2006/relationships" xmlns:mc="http://schemas.openxmlformats.org/markup-compatibility/2006" xmlns:mv="urn:schemas-microsoft-com:mac:vml" xmlns:p="http://schemas.openxmlformats.org/presentationml/2006/main" xmlns:c="http://schemas.openxmlformats.org/drawingml/2006/chart" xmlns:dgm="http://schemas.openxmlformats.org/drawingml/2006/diagram" xmlns:o="urn:schemas-microsoft-com:office:office" xmlns:v="urn:schemas-microsoft-com:vml" xmlns:pvml="urn:schemas-microsoft-com:office:powerpoint" xmlns:com="http://schemas.openxmlformats.org/drawingml/2006/compatibility" xmlns:p14="http://schemas.microsoft.com/office/powerpoint/2010/main" xmlns:p15="http://schemas.microsoft.com/office/powerpoint/2012/main" showMasterPhAnim="0" showMasterSp="0">
+  <p:cSld>
+    <p:spTree>
+      <p:nvGrpSpPr>
+        <p:cNvPr id="174" name="Shape 174"/>
+        <p:cNvGrpSpPr/>
+        <p:nvPr/>
+      </p:nvGrpSpPr>
+      <p:grpSpPr>
+        <a:xfrm>
+          <a:off x="0" y="0"/>
+          <a:ext cx="0" cy="0"/>
+          <a:chOff x="0" y="0"/>
+          <a:chExt cx="0" cy="0"/>
+        </a:xfrm>
+      </p:grpSpPr>
+      <p:sp>
+        <p:nvSpPr>
+          <p:cNvPr id="175" name="Google Shape;175;g7ac5a71704_1_22:notes"/>
+          <p:cNvSpPr/>
+          <p:nvPr>
+            <p:ph idx="2" type="sldImg"/>
+          </p:nvPr>
+        </p:nvSpPr>
+        <p:spPr>
+          <a:xfrm>
+            <a:off x="381300" y="685800"/>
+            <a:ext cx="6096000" cy="3429000"/>
+          </a:xfrm>
+          <a:custGeom>
+            <a:rect b="b" l="l" r="r" t="t"/>
+            <a:pathLst>
+              <a:path extrusionOk="0" h="120000" w="120000">
+                <a:moveTo>
+                  <a:pt x="0" y="0"/>
+                </a:moveTo>
+                <a:lnTo>
+                  <a:pt x="120000" y="0"/>
+                </a:lnTo>
+                <a:lnTo>
+                  <a:pt x="120000" y="120000"/>
+                </a:lnTo>
+                <a:lnTo>
+                  <a:pt x="0" y="120000"/>
+                </a:lnTo>
+                <a:close/>
+              </a:path>
+            </a:pathLst>
+          </a:custGeom>
+        </p:spPr>
+      </p:sp>
+      <p:sp>
+        <p:nvSpPr>
+          <p:cNvPr id="176" name="Google Shape;176;g7ac5a71704_1_22:notes"/>
+          <p:cNvSpPr txBox="1"/>
+          <p:nvPr>
+            <p:ph idx="1" type="body"/>
+          </p:nvPr>
+        </p:nvSpPr>
+        <p:spPr>
+          <a:xfrm>
+            <a:off x="685800" y="4343400"/>
+            <a:ext cx="5486400" cy="4114800"/>
+          </a:xfrm>
+          <a:prstGeom prst="rect">
+            <a:avLst/>
+          </a:prstGeom>
+        </p:spPr>
+        <p:txBody>
+          <a:bodyPr anchorCtr="0" anchor="t" bIns="91425" lIns="91425" spcFirstLastPara="1" rIns="91425" wrap="square" tIns="91425">
+            <a:noAutofit/>
+          </a:bodyPr>
+          <a:lstStyle/>
+          <a:p>
+            <a:pPr indent="0" lvl="0" marL="0" rtl="0" algn="l">
+              <a:spcBef>
+                <a:spcPts val="0"/>
+              </a:spcBef>
+              <a:spcAft>
+                <a:spcPts val="0"/>
+              </a:spcAft>
+              <a:buNone/>
+            </a:pPr>
+            <a:r>
+              <a:t/>
+            </a:r>
+            <a:endParaRPr/>
+          </a:p>
+        </p:txBody>
+      </p:sp>
+    </p:spTree>
+  </p:cSld>
+  <p:clrMapOvr>
+    <a:masterClrMapping/>
+  </p:clrMapOvr>
+</p:notes>
+</file>
+
+<file path=ppt/notesSlides/notesSlide9.xml><?xml version="1.0" encoding="utf-8"?>
+<p:notes xmlns:a="http://schemas.openxmlformats.org/drawingml/2006/main" xmlns:r="http://schemas.openxmlformats.org/officeDocument/2006/relationships" xmlns:mc="http://schemas.openxmlformats.org/markup-compatibility/2006" xmlns:mv="urn:schemas-microsoft-com:mac:vml" xmlns:p="http://schemas.openxmlformats.org/presentationml/2006/main" xmlns:c="http://schemas.openxmlformats.org/drawingml/2006/chart" xmlns:dgm="http://schemas.openxmlformats.org/drawingml/2006/diagram" xmlns:o="urn:schemas-microsoft-com:office:office" xmlns:v="urn:schemas-microsoft-com:vml" xmlns:pvml="urn:schemas-microsoft-com:office:powerpoint" xmlns:com="http://schemas.openxmlformats.org/drawingml/2006/compatibility" xmlns:p14="http://schemas.microsoft.com/office/powerpoint/2010/main" xmlns:p15="http://schemas.microsoft.com/office/powerpoint/2012/main" showMasterPhAnim="0" showMasterSp="0">
+  <p:cSld>
+    <p:spTree>
+      <p:nvGrpSpPr>
+        <p:cNvPr id="181" name="Shape 181"/>
+        <p:cNvGrpSpPr/>
+        <p:nvPr/>
+      </p:nvGrpSpPr>
+      <p:grpSpPr>
+        <a:xfrm>
+          <a:off x="0" y="0"/>
+          <a:ext cx="0" cy="0"/>
+          <a:chOff x="0" y="0"/>
+          <a:chExt cx="0" cy="0"/>
+        </a:xfrm>
+      </p:grpSpPr>
+      <p:sp>
+        <p:nvSpPr>
+          <p:cNvPr id="182" name="Google Shape;182;g7ac5a71704_1_5:notes"/>
+          <p:cNvSpPr/>
+          <p:nvPr>
+            <p:ph idx="2" type="sldImg"/>
+          </p:nvPr>
+        </p:nvSpPr>
+        <p:spPr>
+          <a:xfrm>
+            <a:off x="381300" y="685800"/>
+            <a:ext cx="6096000" cy="3429000"/>
+          </a:xfrm>
+          <a:custGeom>
+            <a:rect b="b" l="l" r="r" t="t"/>
+            <a:pathLst>
+              <a:path extrusionOk="0" h="120000" w="120000">
+                <a:moveTo>
+                  <a:pt x="0" y="0"/>
+                </a:moveTo>
+                <a:lnTo>
+                  <a:pt x="120000" y="0"/>
+                </a:lnTo>
+                <a:lnTo>
+                  <a:pt x="120000" y="120000"/>
+                </a:lnTo>
+                <a:lnTo>
+                  <a:pt x="0" y="120000"/>
+                </a:lnTo>
+                <a:close/>
+              </a:path>
+            </a:pathLst>
+          </a:custGeom>
+        </p:spPr>
+      </p:sp>
+      <p:sp>
+        <p:nvSpPr>
+          <p:cNvPr id="183" name="Google Shape;183;g7ac5a71704_1_5:notes"/>
           <p:cNvSpPr txBox="1"/>
           <p:nvPr>
             <p:ph idx="1" type="body"/>
@@ -9311,7 +10311,7 @@
         </p:nvSpPr>
         <p:spPr>
           <a:xfrm>
-            <a:off x="3537150" y="1578400"/>
+            <a:off x="3613350" y="1502200"/>
             <a:ext cx="5017500" cy="1578900"/>
           </a:xfrm>
           <a:prstGeom prst="rect">
@@ -9392,6 +10392,655 @@
             <a:r>
               <a:rPr lang="en"/>
               <a:t>Colton Buster</a:t>
+            </a:r>
+            <a:endParaRPr/>
+          </a:p>
+        </p:txBody>
+      </p:sp>
+    </p:spTree>
+  </p:cSld>
+  <p:clrMapOvr>
+    <a:masterClrMapping/>
+  </p:clrMapOvr>
+</p:sld>
+</file>
+
+<file path=ppt/slides/slide10.xml><?xml version="1.0" encoding="utf-8"?>
+<p:sld xmlns:a="http://schemas.openxmlformats.org/drawingml/2006/main" xmlns:r="http://schemas.openxmlformats.org/officeDocument/2006/relationships" xmlns:mc="http://schemas.openxmlformats.org/markup-compatibility/2006" xmlns:mv="urn:schemas-microsoft-com:mac:vml" xmlns:p="http://schemas.openxmlformats.org/presentationml/2006/main" xmlns:c="http://schemas.openxmlformats.org/drawingml/2006/chart" xmlns:dgm="http://schemas.openxmlformats.org/drawingml/2006/diagram" xmlns:o="urn:schemas-microsoft-com:office:office" xmlns:v="urn:schemas-microsoft-com:vml" xmlns:pvml="urn:schemas-microsoft-com:office:powerpoint" xmlns:com="http://schemas.openxmlformats.org/drawingml/2006/compatibility" xmlns:p14="http://schemas.microsoft.com/office/powerpoint/2010/main" xmlns:p15="http://schemas.microsoft.com/office/powerpoint/2012/main">
+  <p:cSld>
+    <p:spTree>
+      <p:nvGrpSpPr>
+        <p:cNvPr id="191" name="Shape 191"/>
+        <p:cNvGrpSpPr/>
+        <p:nvPr/>
+      </p:nvGrpSpPr>
+      <p:grpSpPr>
+        <a:xfrm>
+          <a:off x="0" y="0"/>
+          <a:ext cx="0" cy="0"/>
+          <a:chOff x="0" y="0"/>
+          <a:chExt cx="0" cy="0"/>
+        </a:xfrm>
+      </p:grpSpPr>
+      <p:sp>
+        <p:nvSpPr>
+          <p:cNvPr id="192" name="Google Shape;192;p22"/>
+          <p:cNvSpPr txBox="1"/>
+          <p:nvPr>
+            <p:ph type="title"/>
+          </p:nvPr>
+        </p:nvSpPr>
+        <p:spPr>
+          <a:xfrm>
+            <a:off x="1297500" y="393750"/>
+            <a:ext cx="7038900" cy="914100"/>
+          </a:xfrm>
+          <a:prstGeom prst="rect">
+            <a:avLst/>
+          </a:prstGeom>
+        </p:spPr>
+        <p:txBody>
+          <a:bodyPr anchorCtr="0" anchor="t" bIns="91425" lIns="91425" spcFirstLastPara="1" rIns="91425" wrap="square" tIns="91425">
+            <a:noAutofit/>
+          </a:bodyPr>
+          <a:lstStyle/>
+          <a:p>
+            <a:pPr indent="0" lvl="0" marL="0" rtl="0" algn="l">
+              <a:spcBef>
+                <a:spcPts val="0"/>
+              </a:spcBef>
+              <a:spcAft>
+                <a:spcPts val="0"/>
+              </a:spcAft>
+              <a:buNone/>
+            </a:pPr>
+            <a:r>
+              <a:rPr lang="en"/>
+              <a:t>Booking</a:t>
+            </a:r>
+            <a:endParaRPr/>
+          </a:p>
+        </p:txBody>
+      </p:sp>
+      <p:sp>
+        <p:nvSpPr>
+          <p:cNvPr id="193" name="Google Shape;193;p22"/>
+          <p:cNvSpPr txBox="1"/>
+          <p:nvPr>
+            <p:ph idx="1" type="body"/>
+          </p:nvPr>
+        </p:nvSpPr>
+        <p:spPr>
+          <a:xfrm>
+            <a:off x="1297500" y="1567550"/>
+            <a:ext cx="7038900" cy="2911200"/>
+          </a:xfrm>
+          <a:prstGeom prst="rect">
+            <a:avLst/>
+          </a:prstGeom>
+        </p:spPr>
+        <p:txBody>
+          <a:bodyPr anchorCtr="0" anchor="t" bIns="91425" lIns="91425" spcFirstLastPara="1" rIns="91425" wrap="square" tIns="91425">
+            <a:noAutofit/>
+          </a:bodyPr>
+          <a:lstStyle/>
+          <a:p>
+            <a:pPr indent="0" lvl="0" marL="0" rtl="0" algn="l">
+              <a:spcBef>
+                <a:spcPts val="0"/>
+              </a:spcBef>
+              <a:spcAft>
+                <a:spcPts val="0"/>
+              </a:spcAft>
+              <a:buNone/>
+            </a:pPr>
+            <a:r>
+              <a:rPr lang="en"/>
+              <a:t>Choose from any available lockers</a:t>
+            </a:r>
+            <a:endParaRPr/>
+          </a:p>
+          <a:p>
+            <a:pPr indent="0" lvl="0" marL="0" rtl="0" algn="l">
+              <a:spcBef>
+                <a:spcPts val="1600"/>
+              </a:spcBef>
+              <a:spcAft>
+                <a:spcPts val="1600"/>
+              </a:spcAft>
+              <a:buNone/>
+            </a:pPr>
+            <a:r>
+              <a:rPr lang="en"/>
+              <a:t>Receipt emailed to account that must  be taken to TUB office</a:t>
+            </a:r>
+            <a:endParaRPr/>
+          </a:p>
+        </p:txBody>
+      </p:sp>
+    </p:spTree>
+  </p:cSld>
+  <p:clrMapOvr>
+    <a:masterClrMapping/>
+  </p:clrMapOvr>
+</p:sld>
+</file>
+
+<file path=ppt/slides/slide11.xml><?xml version="1.0" encoding="utf-8"?>
+<p:sld xmlns:a="http://schemas.openxmlformats.org/drawingml/2006/main" xmlns:r="http://schemas.openxmlformats.org/officeDocument/2006/relationships" xmlns:mc="http://schemas.openxmlformats.org/markup-compatibility/2006" xmlns:mv="urn:schemas-microsoft-com:mac:vml" xmlns:p="http://schemas.openxmlformats.org/presentationml/2006/main" xmlns:c="http://schemas.openxmlformats.org/drawingml/2006/chart" xmlns:dgm="http://schemas.openxmlformats.org/drawingml/2006/diagram" xmlns:o="urn:schemas-microsoft-com:office:office" xmlns:v="urn:schemas-microsoft-com:vml" xmlns:pvml="urn:schemas-microsoft-com:office:powerpoint" xmlns:com="http://schemas.openxmlformats.org/drawingml/2006/compatibility" xmlns:p14="http://schemas.microsoft.com/office/powerpoint/2010/main" xmlns:p15="http://schemas.microsoft.com/office/powerpoint/2012/main">
+  <p:cSld>
+    <p:spTree>
+      <p:nvGrpSpPr>
+        <p:cNvPr id="197" name="Shape 197"/>
+        <p:cNvGrpSpPr/>
+        <p:nvPr/>
+      </p:nvGrpSpPr>
+      <p:grpSpPr>
+        <a:xfrm>
+          <a:off x="0" y="0"/>
+          <a:ext cx="0" cy="0"/>
+          <a:chOff x="0" y="0"/>
+          <a:chExt cx="0" cy="0"/>
+        </a:xfrm>
+      </p:grpSpPr>
+      <p:sp>
+        <p:nvSpPr>
+          <p:cNvPr id="198" name="Google Shape;198;p23"/>
+          <p:cNvSpPr txBox="1"/>
+          <p:nvPr>
+            <p:ph type="title"/>
+          </p:nvPr>
+        </p:nvSpPr>
+        <p:spPr>
+          <a:xfrm>
+            <a:off x="1297500" y="393750"/>
+            <a:ext cx="7038900" cy="914100"/>
+          </a:xfrm>
+          <a:prstGeom prst="rect">
+            <a:avLst/>
+          </a:prstGeom>
+        </p:spPr>
+        <p:txBody>
+          <a:bodyPr anchorCtr="0" anchor="t" bIns="91425" lIns="91425" spcFirstLastPara="1" rIns="91425" wrap="square" tIns="91425">
+            <a:noAutofit/>
+          </a:bodyPr>
+          <a:lstStyle/>
+          <a:p>
+            <a:pPr indent="0" lvl="0" marL="0" rtl="0" algn="l">
+              <a:spcBef>
+                <a:spcPts val="0"/>
+              </a:spcBef>
+              <a:spcAft>
+                <a:spcPts val="0"/>
+              </a:spcAft>
+              <a:buNone/>
+            </a:pPr>
+            <a:r>
+              <a:t/>
+            </a:r>
+            <a:endParaRPr/>
+          </a:p>
+        </p:txBody>
+      </p:sp>
+      <p:sp>
+        <p:nvSpPr>
+          <p:cNvPr id="199" name="Google Shape;199;p23"/>
+          <p:cNvSpPr txBox="1"/>
+          <p:nvPr>
+            <p:ph idx="1" type="body"/>
+          </p:nvPr>
+        </p:nvSpPr>
+        <p:spPr>
+          <a:xfrm>
+            <a:off x="1297500" y="1567550"/>
+            <a:ext cx="7038900" cy="2911200"/>
+          </a:xfrm>
+          <a:prstGeom prst="rect">
+            <a:avLst/>
+          </a:prstGeom>
+        </p:spPr>
+        <p:txBody>
+          <a:bodyPr anchorCtr="0" anchor="t" bIns="91425" lIns="91425" spcFirstLastPara="1" rIns="91425" wrap="square" tIns="91425">
+            <a:noAutofit/>
+          </a:bodyPr>
+          <a:lstStyle/>
+          <a:p>
+            <a:pPr indent="0" lvl="0" marL="0" rtl="0" algn="l">
+              <a:spcBef>
+                <a:spcPts val="0"/>
+              </a:spcBef>
+              <a:spcAft>
+                <a:spcPts val="1600"/>
+              </a:spcAft>
+              <a:buNone/>
+            </a:pPr>
+            <a:r>
+              <a:t/>
+            </a:r>
+            <a:endParaRPr/>
+          </a:p>
+        </p:txBody>
+      </p:sp>
+      <p:pic>
+        <p:nvPicPr>
+          <p:cNvPr id="200" name="Google Shape;200;p23"/>
+          <p:cNvPicPr preferRelativeResize="0"/>
+          <p:nvPr/>
+        </p:nvPicPr>
+        <p:blipFill>
+          <a:blip r:embed="rId3">
+            <a:alphaModFix/>
+          </a:blip>
+          <a:stretch>
+            <a:fillRect/>
+          </a:stretch>
+        </p:blipFill>
+        <p:spPr>
+          <a:xfrm>
+            <a:off x="1600200" y="1708700"/>
+            <a:ext cx="5943600" cy="2628900"/>
+          </a:xfrm>
+          <a:prstGeom prst="rect">
+            <a:avLst/>
+          </a:prstGeom>
+          <a:noFill/>
+          <a:ln>
+            <a:noFill/>
+          </a:ln>
+        </p:spPr>
+      </p:pic>
+    </p:spTree>
+  </p:cSld>
+  <p:clrMapOvr>
+    <a:masterClrMapping/>
+  </p:clrMapOvr>
+</p:sld>
+</file>
+
+<file path=ppt/slides/slide12.xml><?xml version="1.0" encoding="utf-8"?>
+<p:sld xmlns:a="http://schemas.openxmlformats.org/drawingml/2006/main" xmlns:r="http://schemas.openxmlformats.org/officeDocument/2006/relationships" xmlns:mc="http://schemas.openxmlformats.org/markup-compatibility/2006" xmlns:mv="urn:schemas-microsoft-com:mac:vml" xmlns:p="http://schemas.openxmlformats.org/presentationml/2006/main" xmlns:c="http://schemas.openxmlformats.org/drawingml/2006/chart" xmlns:dgm="http://schemas.openxmlformats.org/drawingml/2006/diagram" xmlns:o="urn:schemas-microsoft-com:office:office" xmlns:v="urn:schemas-microsoft-com:vml" xmlns:pvml="urn:schemas-microsoft-com:office:powerpoint" xmlns:com="http://schemas.openxmlformats.org/drawingml/2006/compatibility" xmlns:p14="http://schemas.microsoft.com/office/powerpoint/2010/main" xmlns:p15="http://schemas.microsoft.com/office/powerpoint/2012/main">
+  <p:cSld>
+    <p:spTree>
+      <p:nvGrpSpPr>
+        <p:cNvPr id="204" name="Shape 204"/>
+        <p:cNvGrpSpPr/>
+        <p:nvPr/>
+      </p:nvGrpSpPr>
+      <p:grpSpPr>
+        <a:xfrm>
+          <a:off x="0" y="0"/>
+          <a:ext cx="0" cy="0"/>
+          <a:chOff x="0" y="0"/>
+          <a:chExt cx="0" cy="0"/>
+        </a:xfrm>
+      </p:grpSpPr>
+      <p:sp>
+        <p:nvSpPr>
+          <p:cNvPr id="205" name="Google Shape;205;p24"/>
+          <p:cNvSpPr txBox="1"/>
+          <p:nvPr>
+            <p:ph type="title"/>
+          </p:nvPr>
+        </p:nvSpPr>
+        <p:spPr>
+          <a:xfrm>
+            <a:off x="1297500" y="393750"/>
+            <a:ext cx="7038900" cy="914100"/>
+          </a:xfrm>
+          <a:prstGeom prst="rect">
+            <a:avLst/>
+          </a:prstGeom>
+        </p:spPr>
+        <p:txBody>
+          <a:bodyPr anchorCtr="0" anchor="t" bIns="91425" lIns="91425" spcFirstLastPara="1" rIns="91425" wrap="square" tIns="91425">
+            <a:noAutofit/>
+          </a:bodyPr>
+          <a:lstStyle/>
+          <a:p>
+            <a:pPr indent="0" lvl="0" marL="0" rtl="0" algn="l">
+              <a:spcBef>
+                <a:spcPts val="0"/>
+              </a:spcBef>
+              <a:spcAft>
+                <a:spcPts val="0"/>
+              </a:spcAft>
+              <a:buNone/>
+            </a:pPr>
+            <a:r>
+              <a:rPr lang="en"/>
+              <a:t>Admin</a:t>
+            </a:r>
+            <a:endParaRPr/>
+          </a:p>
+        </p:txBody>
+      </p:sp>
+      <p:sp>
+        <p:nvSpPr>
+          <p:cNvPr id="206" name="Google Shape;206;p24"/>
+          <p:cNvSpPr txBox="1"/>
+          <p:nvPr>
+            <p:ph idx="1" type="body"/>
+          </p:nvPr>
+        </p:nvSpPr>
+        <p:spPr>
+          <a:xfrm>
+            <a:off x="1297500" y="1567550"/>
+            <a:ext cx="7038900" cy="2911200"/>
+          </a:xfrm>
+          <a:prstGeom prst="rect">
+            <a:avLst/>
+          </a:prstGeom>
+        </p:spPr>
+        <p:txBody>
+          <a:bodyPr anchorCtr="0" anchor="t" bIns="91425" lIns="91425" spcFirstLastPara="1" rIns="91425" wrap="square" tIns="91425">
+            <a:noAutofit/>
+          </a:bodyPr>
+          <a:lstStyle/>
+          <a:p>
+            <a:pPr indent="0" lvl="0" marL="0" rtl="0" algn="l">
+              <a:spcBef>
+                <a:spcPts val="0"/>
+              </a:spcBef>
+              <a:spcAft>
+                <a:spcPts val="0"/>
+              </a:spcAft>
+              <a:buNone/>
+            </a:pPr>
+            <a:r>
+              <a:rPr lang="en"/>
+              <a:t>Dashboard</a:t>
+            </a:r>
+            <a:endParaRPr/>
+          </a:p>
+          <a:p>
+            <a:pPr indent="0" lvl="0" marL="0" rtl="0" algn="l">
+              <a:spcBef>
+                <a:spcPts val="1600"/>
+              </a:spcBef>
+              <a:spcAft>
+                <a:spcPts val="0"/>
+              </a:spcAft>
+              <a:buNone/>
+            </a:pPr>
+            <a:r>
+              <a:rPr lang="en"/>
+              <a:t>	Active/total users</a:t>
+            </a:r>
+            <a:endParaRPr/>
+          </a:p>
+          <a:p>
+            <a:pPr indent="0" lvl="0" marL="0" rtl="0" algn="l">
+              <a:spcBef>
+                <a:spcPts val="1600"/>
+              </a:spcBef>
+              <a:spcAft>
+                <a:spcPts val="0"/>
+              </a:spcAft>
+              <a:buNone/>
+            </a:pPr>
+            <a:r>
+              <a:rPr lang="en"/>
+              <a:t>	Total lockers booked</a:t>
+            </a:r>
+            <a:endParaRPr/>
+          </a:p>
+          <a:p>
+            <a:pPr indent="0" lvl="0" marL="0" rtl="0" algn="l">
+              <a:spcBef>
+                <a:spcPts val="1600"/>
+              </a:spcBef>
+              <a:spcAft>
+                <a:spcPts val="0"/>
+              </a:spcAft>
+              <a:buNone/>
+            </a:pPr>
+            <a:r>
+              <a:rPr lang="en"/>
+              <a:t>	Add/update lockers</a:t>
+            </a:r>
+            <a:endParaRPr/>
+          </a:p>
+          <a:p>
+            <a:pPr indent="0" lvl="0" marL="0" rtl="0" algn="l">
+              <a:spcBef>
+                <a:spcPts val="1600"/>
+              </a:spcBef>
+              <a:spcAft>
+                <a:spcPts val="0"/>
+              </a:spcAft>
+              <a:buNone/>
+            </a:pPr>
+            <a:r>
+              <a:rPr lang="en"/>
+              <a:t>	Records</a:t>
+            </a:r>
+            <a:endParaRPr/>
+          </a:p>
+          <a:p>
+            <a:pPr indent="0" lvl="0" marL="0" rtl="0" algn="l">
+              <a:spcBef>
+                <a:spcPts val="1600"/>
+              </a:spcBef>
+              <a:spcAft>
+                <a:spcPts val="0"/>
+              </a:spcAft>
+              <a:buNone/>
+            </a:pPr>
+            <a:r>
+              <a:rPr lang="en"/>
+              <a:t>	</a:t>
+            </a:r>
+            <a:endParaRPr/>
+          </a:p>
+          <a:p>
+            <a:pPr indent="0" lvl="0" marL="0" rtl="0" algn="l">
+              <a:spcBef>
+                <a:spcPts val="1600"/>
+              </a:spcBef>
+              <a:spcAft>
+                <a:spcPts val="1600"/>
+              </a:spcAft>
+              <a:buNone/>
+            </a:pPr>
+            <a:r>
+              <a:rPr lang="en"/>
+              <a:t>	</a:t>
+            </a:r>
+            <a:endParaRPr/>
+          </a:p>
+        </p:txBody>
+      </p:sp>
+    </p:spTree>
+  </p:cSld>
+  <p:clrMapOvr>
+    <a:masterClrMapping/>
+  </p:clrMapOvr>
+</p:sld>
+</file>
+
+<file path=ppt/slides/slide13.xml><?xml version="1.0" encoding="utf-8"?>
+<p:sld xmlns:a="http://schemas.openxmlformats.org/drawingml/2006/main" xmlns:r="http://schemas.openxmlformats.org/officeDocument/2006/relationships" xmlns:mc="http://schemas.openxmlformats.org/markup-compatibility/2006" xmlns:mv="urn:schemas-microsoft-com:mac:vml" xmlns:p="http://schemas.openxmlformats.org/presentationml/2006/main" xmlns:c="http://schemas.openxmlformats.org/drawingml/2006/chart" xmlns:dgm="http://schemas.openxmlformats.org/drawingml/2006/diagram" xmlns:o="urn:schemas-microsoft-com:office:office" xmlns:v="urn:schemas-microsoft-com:vml" xmlns:pvml="urn:schemas-microsoft-com:office:powerpoint" xmlns:com="http://schemas.openxmlformats.org/drawingml/2006/compatibility" xmlns:p14="http://schemas.microsoft.com/office/powerpoint/2010/main" xmlns:p15="http://schemas.microsoft.com/office/powerpoint/2012/main">
+  <p:cSld>
+    <p:spTree>
+      <p:nvGrpSpPr>
+        <p:cNvPr id="210" name="Shape 210"/>
+        <p:cNvGrpSpPr/>
+        <p:nvPr/>
+      </p:nvGrpSpPr>
+      <p:grpSpPr>
+        <a:xfrm>
+          <a:off x="0" y="0"/>
+          <a:ext cx="0" cy="0"/>
+          <a:chOff x="0" y="0"/>
+          <a:chExt cx="0" cy="0"/>
+        </a:xfrm>
+      </p:grpSpPr>
+      <p:sp>
+        <p:nvSpPr>
+          <p:cNvPr id="211" name="Google Shape;211;p25"/>
+          <p:cNvSpPr txBox="1"/>
+          <p:nvPr>
+            <p:ph type="title"/>
+          </p:nvPr>
+        </p:nvSpPr>
+        <p:spPr>
+          <a:xfrm>
+            <a:off x="1297500" y="393750"/>
+            <a:ext cx="7038900" cy="914100"/>
+          </a:xfrm>
+          <a:prstGeom prst="rect">
+            <a:avLst/>
+          </a:prstGeom>
+        </p:spPr>
+        <p:txBody>
+          <a:bodyPr anchorCtr="0" anchor="t" bIns="91425" lIns="91425" spcFirstLastPara="1" rIns="91425" wrap="square" tIns="91425">
+            <a:noAutofit/>
+          </a:bodyPr>
+          <a:lstStyle/>
+          <a:p>
+            <a:pPr indent="0" lvl="0" marL="0" rtl="0" algn="l">
+              <a:spcBef>
+                <a:spcPts val="0"/>
+              </a:spcBef>
+              <a:spcAft>
+                <a:spcPts val="0"/>
+              </a:spcAft>
+              <a:buNone/>
+            </a:pPr>
+            <a:r>
+              <a:t/>
+            </a:r>
+            <a:endParaRPr/>
+          </a:p>
+        </p:txBody>
+      </p:sp>
+      <p:sp>
+        <p:nvSpPr>
+          <p:cNvPr id="212" name="Google Shape;212;p25"/>
+          <p:cNvSpPr txBox="1"/>
+          <p:nvPr>
+            <p:ph idx="1" type="body"/>
+          </p:nvPr>
+        </p:nvSpPr>
+        <p:spPr>
+          <a:xfrm>
+            <a:off x="1297500" y="1567550"/>
+            <a:ext cx="7038900" cy="2911200"/>
+          </a:xfrm>
+          <a:prstGeom prst="rect">
+            <a:avLst/>
+          </a:prstGeom>
+        </p:spPr>
+        <p:txBody>
+          <a:bodyPr anchorCtr="0" anchor="t" bIns="91425" lIns="91425" spcFirstLastPara="1" rIns="91425" wrap="square" tIns="91425">
+            <a:noAutofit/>
+          </a:bodyPr>
+          <a:lstStyle/>
+          <a:p>
+            <a:pPr indent="0" lvl="0" marL="0" rtl="0" algn="l">
+              <a:spcBef>
+                <a:spcPts val="0"/>
+              </a:spcBef>
+              <a:spcAft>
+                <a:spcPts val="1600"/>
+              </a:spcAft>
+              <a:buNone/>
+            </a:pPr>
+            <a:r>
+              <a:t/>
+            </a:r>
+            <a:endParaRPr/>
+          </a:p>
+        </p:txBody>
+      </p:sp>
+      <p:pic>
+        <p:nvPicPr>
+          <p:cNvPr id="213" name="Google Shape;213;p25"/>
+          <p:cNvPicPr preferRelativeResize="0"/>
+          <p:nvPr/>
+        </p:nvPicPr>
+        <p:blipFill>
+          <a:blip r:embed="rId3">
+            <a:alphaModFix/>
+          </a:blip>
+          <a:stretch>
+            <a:fillRect/>
+          </a:stretch>
+        </p:blipFill>
+        <p:spPr>
+          <a:xfrm>
+            <a:off x="1105230" y="1567550"/>
+            <a:ext cx="6933545" cy="2911200"/>
+          </a:xfrm>
+          <a:prstGeom prst="rect">
+            <a:avLst/>
+          </a:prstGeom>
+          <a:noFill/>
+          <a:ln>
+            <a:noFill/>
+          </a:ln>
+        </p:spPr>
+      </p:pic>
+    </p:spTree>
+  </p:cSld>
+  <p:clrMapOvr>
+    <a:masterClrMapping/>
+  </p:clrMapOvr>
+</p:sld>
+</file>
+
+<file path=ppt/slides/slide14.xml><?xml version="1.0" encoding="utf-8"?>
+<p:sld xmlns:a="http://schemas.openxmlformats.org/drawingml/2006/main" xmlns:r="http://schemas.openxmlformats.org/officeDocument/2006/relationships" xmlns:mc="http://schemas.openxmlformats.org/markup-compatibility/2006" xmlns:mv="urn:schemas-microsoft-com:mac:vml" xmlns:p="http://schemas.openxmlformats.org/presentationml/2006/main" xmlns:c="http://schemas.openxmlformats.org/drawingml/2006/chart" xmlns:dgm="http://schemas.openxmlformats.org/drawingml/2006/diagram" xmlns:o="urn:schemas-microsoft-com:office:office" xmlns:v="urn:schemas-microsoft-com:vml" xmlns:pvml="urn:schemas-microsoft-com:office:powerpoint" xmlns:com="http://schemas.openxmlformats.org/drawingml/2006/compatibility" xmlns:p14="http://schemas.microsoft.com/office/powerpoint/2010/main" xmlns:p15="http://schemas.microsoft.com/office/powerpoint/2012/main">
+  <p:cSld>
+    <p:spTree>
+      <p:nvGrpSpPr>
+        <p:cNvPr id="217" name="Shape 217"/>
+        <p:cNvGrpSpPr/>
+        <p:nvPr/>
+      </p:nvGrpSpPr>
+      <p:grpSpPr>
+        <a:xfrm>
+          <a:off x="0" y="0"/>
+          <a:ext cx="0" cy="0"/>
+          <a:chOff x="0" y="0"/>
+          <a:chExt cx="0" cy="0"/>
+        </a:xfrm>
+      </p:grpSpPr>
+      <p:sp>
+        <p:nvSpPr>
+          <p:cNvPr id="218" name="Google Shape;218;p26"/>
+          <p:cNvSpPr txBox="1"/>
+          <p:nvPr>
+            <p:ph type="title"/>
+          </p:nvPr>
+        </p:nvSpPr>
+        <p:spPr>
+          <a:xfrm>
+            <a:off x="823850" y="2053000"/>
+            <a:ext cx="4587000" cy="1148700"/>
+          </a:xfrm>
+          <a:prstGeom prst="rect">
+            <a:avLst/>
+          </a:prstGeom>
+        </p:spPr>
+        <p:txBody>
+          <a:bodyPr anchorCtr="0" anchor="ctr" bIns="91425" lIns="91425" spcFirstLastPara="1" rIns="91425" wrap="square" tIns="91425">
+            <a:noAutofit/>
+          </a:bodyPr>
+          <a:lstStyle/>
+          <a:p>
+            <a:pPr indent="0" lvl="0" marL="0" rtl="0" algn="l">
+              <a:spcBef>
+                <a:spcPts val="0"/>
+              </a:spcBef>
+              <a:spcAft>
+                <a:spcPts val="0"/>
+              </a:spcAft>
+              <a:buNone/>
+            </a:pPr>
+            <a:r>
+              <a:rPr lang="en"/>
+              <a:t>Thank you</a:t>
             </a:r>
             <a:endParaRPr/>
           </a:p>
@@ -9663,7 +11312,7 @@
             </a:pPr>
             <a:r>
               <a:rPr lang="en"/>
-              <a:t>Registration page</a:t>
+              <a:t>Locker rental site</a:t>
             </a:r>
             <a:endParaRPr/>
           </a:p>
@@ -9767,15 +11416,15 @@
         </p:nvSpPr>
         <p:spPr>
           <a:xfrm>
-            <a:off x="823850" y="2053000"/>
-            <a:ext cx="4587000" cy="1148700"/>
+            <a:off x="1297500" y="393750"/>
+            <a:ext cx="7038900" cy="914100"/>
           </a:xfrm>
           <a:prstGeom prst="rect">
             <a:avLst/>
           </a:prstGeom>
         </p:spPr>
         <p:txBody>
-          <a:bodyPr anchorCtr="0" anchor="ctr" bIns="91425" lIns="91425" spcFirstLastPara="1" rIns="91425" wrap="square" tIns="91425">
+          <a:bodyPr anchorCtr="0" anchor="t" bIns="91425" lIns="91425" spcFirstLastPara="1" rIns="91425" wrap="square" tIns="91425">
             <a:noAutofit/>
           </a:bodyPr>
           <a:lstStyle/>
@@ -9790,13 +11439,760 @@
               <a:buNone/>
             </a:pPr>
             <a:r>
-              <a:rPr lang="en"/>
-              <a:t>Thank you</a:t>
+              <a:t/>
             </a:r>
             <a:endParaRPr/>
           </a:p>
         </p:txBody>
       </p:sp>
+      <p:sp>
+        <p:nvSpPr>
+          <p:cNvPr id="153" name="Google Shape;153;p16"/>
+          <p:cNvSpPr txBox="1"/>
+          <p:nvPr>
+            <p:ph idx="1" type="body"/>
+          </p:nvPr>
+        </p:nvSpPr>
+        <p:spPr>
+          <a:xfrm>
+            <a:off x="1297500" y="1567550"/>
+            <a:ext cx="7038900" cy="2911200"/>
+          </a:xfrm>
+          <a:prstGeom prst="rect">
+            <a:avLst/>
+          </a:prstGeom>
+        </p:spPr>
+        <p:txBody>
+          <a:bodyPr anchorCtr="0" anchor="t" bIns="91425" lIns="91425" spcFirstLastPara="1" rIns="91425" wrap="square" tIns="91425">
+            <a:noAutofit/>
+          </a:bodyPr>
+          <a:lstStyle/>
+          <a:p>
+            <a:pPr indent="0" lvl="0" marL="0" rtl="0" algn="l">
+              <a:spcBef>
+                <a:spcPts val="0"/>
+              </a:spcBef>
+              <a:spcAft>
+                <a:spcPts val="1600"/>
+              </a:spcAft>
+              <a:buNone/>
+            </a:pPr>
+            <a:r>
+              <a:t/>
+            </a:r>
+            <a:endParaRPr/>
+          </a:p>
+        </p:txBody>
+      </p:sp>
+      <p:pic>
+        <p:nvPicPr>
+          <p:cNvPr id="154" name="Google Shape;154;p16"/>
+          <p:cNvPicPr preferRelativeResize="0"/>
+          <p:nvPr/>
+        </p:nvPicPr>
+        <p:blipFill>
+          <a:blip r:embed="rId3">
+            <a:alphaModFix/>
+          </a:blip>
+          <a:stretch>
+            <a:fillRect/>
+          </a:stretch>
+        </p:blipFill>
+        <p:spPr>
+          <a:xfrm>
+            <a:off x="2849766" y="49525"/>
+            <a:ext cx="3934384" cy="5143500"/>
+          </a:xfrm>
+          <a:prstGeom prst="rect">
+            <a:avLst/>
+          </a:prstGeom>
+          <a:noFill/>
+          <a:ln>
+            <a:noFill/>
+          </a:ln>
+        </p:spPr>
+      </p:pic>
+    </p:spTree>
+  </p:cSld>
+  <p:clrMapOvr>
+    <a:masterClrMapping/>
+  </p:clrMapOvr>
+</p:sld>
+</file>
+
+<file path=ppt/slides/slide5.xml><?xml version="1.0" encoding="utf-8"?>
+<p:sld xmlns:a="http://schemas.openxmlformats.org/drawingml/2006/main" xmlns:r="http://schemas.openxmlformats.org/officeDocument/2006/relationships" xmlns:mc="http://schemas.openxmlformats.org/markup-compatibility/2006" xmlns:mv="urn:schemas-microsoft-com:mac:vml" xmlns:p="http://schemas.openxmlformats.org/presentationml/2006/main" xmlns:c="http://schemas.openxmlformats.org/drawingml/2006/chart" xmlns:dgm="http://schemas.openxmlformats.org/drawingml/2006/diagram" xmlns:o="urn:schemas-microsoft-com:office:office" xmlns:v="urn:schemas-microsoft-com:vml" xmlns:pvml="urn:schemas-microsoft-com:office:powerpoint" xmlns:com="http://schemas.openxmlformats.org/drawingml/2006/compatibility" xmlns:p14="http://schemas.microsoft.com/office/powerpoint/2010/main" xmlns:p15="http://schemas.microsoft.com/office/powerpoint/2012/main">
+  <p:cSld>
+    <p:spTree>
+      <p:nvGrpSpPr>
+        <p:cNvPr id="158" name="Shape 158"/>
+        <p:cNvGrpSpPr/>
+        <p:nvPr/>
+      </p:nvGrpSpPr>
+      <p:grpSpPr>
+        <a:xfrm>
+          <a:off x="0" y="0"/>
+          <a:ext cx="0" cy="0"/>
+          <a:chOff x="0" y="0"/>
+          <a:chExt cx="0" cy="0"/>
+        </a:xfrm>
+      </p:grpSpPr>
+      <p:sp>
+        <p:nvSpPr>
+          <p:cNvPr id="159" name="Google Shape;159;p17"/>
+          <p:cNvSpPr txBox="1"/>
+          <p:nvPr>
+            <p:ph type="title"/>
+          </p:nvPr>
+        </p:nvSpPr>
+        <p:spPr>
+          <a:xfrm>
+            <a:off x="1297500" y="393750"/>
+            <a:ext cx="7038900" cy="914100"/>
+          </a:xfrm>
+          <a:prstGeom prst="rect">
+            <a:avLst/>
+          </a:prstGeom>
+        </p:spPr>
+        <p:txBody>
+          <a:bodyPr anchorCtr="0" anchor="t" bIns="91425" lIns="91425" spcFirstLastPara="1" rIns="91425" wrap="square" tIns="91425">
+            <a:noAutofit/>
+          </a:bodyPr>
+          <a:lstStyle/>
+          <a:p>
+            <a:pPr indent="0" lvl="0" marL="0" rtl="0" algn="l">
+              <a:spcBef>
+                <a:spcPts val="0"/>
+              </a:spcBef>
+              <a:spcAft>
+                <a:spcPts val="0"/>
+              </a:spcAft>
+              <a:buNone/>
+            </a:pPr>
+            <a:r>
+              <a:rPr lang="en"/>
+              <a:t>Home Page</a:t>
+            </a:r>
+            <a:endParaRPr/>
+          </a:p>
+        </p:txBody>
+      </p:sp>
+      <p:sp>
+        <p:nvSpPr>
+          <p:cNvPr id="160" name="Google Shape;160;p17"/>
+          <p:cNvSpPr txBox="1"/>
+          <p:nvPr>
+            <p:ph idx="1" type="body"/>
+          </p:nvPr>
+        </p:nvSpPr>
+        <p:spPr>
+          <a:xfrm>
+            <a:off x="1297500" y="1567550"/>
+            <a:ext cx="7038900" cy="2911200"/>
+          </a:xfrm>
+          <a:prstGeom prst="rect">
+            <a:avLst/>
+          </a:prstGeom>
+        </p:spPr>
+        <p:txBody>
+          <a:bodyPr anchorCtr="0" anchor="t" bIns="91425" lIns="91425" spcFirstLastPara="1" rIns="91425" wrap="square" tIns="91425">
+            <a:noAutofit/>
+          </a:bodyPr>
+          <a:lstStyle/>
+          <a:p>
+            <a:pPr indent="0" lvl="0" marL="0" rtl="0" algn="l">
+              <a:spcBef>
+                <a:spcPts val="0"/>
+              </a:spcBef>
+              <a:spcAft>
+                <a:spcPts val="0"/>
+              </a:spcAft>
+              <a:buNone/>
+            </a:pPr>
+            <a:r>
+              <a:rPr lang="en"/>
+              <a:t>Displays locker tiles</a:t>
+            </a:r>
+            <a:endParaRPr/>
+          </a:p>
+          <a:p>
+            <a:pPr indent="0" lvl="0" marL="0" rtl="0" algn="l">
+              <a:spcBef>
+                <a:spcPts val="1600"/>
+              </a:spcBef>
+              <a:spcAft>
+                <a:spcPts val="0"/>
+              </a:spcAft>
+              <a:buNone/>
+            </a:pPr>
+            <a:r>
+              <a:rPr lang="en"/>
+              <a:t>Includes counts of total, available, and damaged</a:t>
+            </a:r>
+            <a:endParaRPr/>
+          </a:p>
+          <a:p>
+            <a:pPr indent="0" lvl="0" marL="0" rtl="0" algn="l">
+              <a:spcBef>
+                <a:spcPts val="1600"/>
+              </a:spcBef>
+              <a:spcAft>
+                <a:spcPts val="1600"/>
+              </a:spcAft>
+              <a:buNone/>
+            </a:pPr>
+            <a:r>
+              <a:t/>
+            </a:r>
+            <a:endParaRPr/>
+          </a:p>
+        </p:txBody>
+      </p:sp>
+    </p:spTree>
+  </p:cSld>
+  <p:clrMapOvr>
+    <a:masterClrMapping/>
+  </p:clrMapOvr>
+</p:sld>
+</file>
+
+<file path=ppt/slides/slide6.xml><?xml version="1.0" encoding="utf-8"?>
+<p:sld xmlns:a="http://schemas.openxmlformats.org/drawingml/2006/main" xmlns:r="http://schemas.openxmlformats.org/officeDocument/2006/relationships" xmlns:mc="http://schemas.openxmlformats.org/markup-compatibility/2006" xmlns:mv="urn:schemas-microsoft-com:mac:vml" xmlns:p="http://schemas.openxmlformats.org/presentationml/2006/main" xmlns:c="http://schemas.openxmlformats.org/drawingml/2006/chart" xmlns:dgm="http://schemas.openxmlformats.org/drawingml/2006/diagram" xmlns:o="urn:schemas-microsoft-com:office:office" xmlns:v="urn:schemas-microsoft-com:vml" xmlns:pvml="urn:schemas-microsoft-com:office:powerpoint" xmlns:com="http://schemas.openxmlformats.org/drawingml/2006/compatibility" xmlns:p14="http://schemas.microsoft.com/office/powerpoint/2010/main" xmlns:p15="http://schemas.microsoft.com/office/powerpoint/2012/main">
+  <p:cSld>
+    <p:spTree>
+      <p:nvGrpSpPr>
+        <p:cNvPr id="164" name="Shape 164"/>
+        <p:cNvGrpSpPr/>
+        <p:nvPr/>
+      </p:nvGrpSpPr>
+      <p:grpSpPr>
+        <a:xfrm>
+          <a:off x="0" y="0"/>
+          <a:ext cx="0" cy="0"/>
+          <a:chOff x="0" y="0"/>
+          <a:chExt cx="0" cy="0"/>
+        </a:xfrm>
+      </p:grpSpPr>
+      <p:sp>
+        <p:nvSpPr>
+          <p:cNvPr id="165" name="Google Shape;165;p18"/>
+          <p:cNvSpPr txBox="1"/>
+          <p:nvPr>
+            <p:ph type="title"/>
+          </p:nvPr>
+        </p:nvSpPr>
+        <p:spPr>
+          <a:xfrm>
+            <a:off x="1297500" y="393750"/>
+            <a:ext cx="7038900" cy="914100"/>
+          </a:xfrm>
+          <a:prstGeom prst="rect">
+            <a:avLst/>
+          </a:prstGeom>
+        </p:spPr>
+        <p:txBody>
+          <a:bodyPr anchorCtr="0" anchor="t" bIns="91425" lIns="91425" spcFirstLastPara="1" rIns="91425" wrap="square" tIns="91425">
+            <a:noAutofit/>
+          </a:bodyPr>
+          <a:lstStyle/>
+          <a:p>
+            <a:pPr indent="0" lvl="0" marL="0" rtl="0" algn="l">
+              <a:spcBef>
+                <a:spcPts val="0"/>
+              </a:spcBef>
+              <a:spcAft>
+                <a:spcPts val="0"/>
+              </a:spcAft>
+              <a:buNone/>
+            </a:pPr>
+            <a:r>
+              <a:t/>
+            </a:r>
+            <a:endParaRPr/>
+          </a:p>
+        </p:txBody>
+      </p:sp>
+      <p:sp>
+        <p:nvSpPr>
+          <p:cNvPr id="166" name="Google Shape;166;p18"/>
+          <p:cNvSpPr txBox="1"/>
+          <p:nvPr>
+            <p:ph idx="1" type="body"/>
+          </p:nvPr>
+        </p:nvSpPr>
+        <p:spPr>
+          <a:xfrm>
+            <a:off x="1297500" y="1567550"/>
+            <a:ext cx="7038900" cy="2911200"/>
+          </a:xfrm>
+          <a:prstGeom prst="rect">
+            <a:avLst/>
+          </a:prstGeom>
+        </p:spPr>
+        <p:txBody>
+          <a:bodyPr anchorCtr="0" anchor="t" bIns="91425" lIns="91425" spcFirstLastPara="1" rIns="91425" wrap="square" tIns="91425">
+            <a:noAutofit/>
+          </a:bodyPr>
+          <a:lstStyle/>
+          <a:p>
+            <a:pPr indent="0" lvl="0" marL="0" rtl="0" algn="l">
+              <a:spcBef>
+                <a:spcPts val="0"/>
+              </a:spcBef>
+              <a:spcAft>
+                <a:spcPts val="1600"/>
+              </a:spcAft>
+              <a:buNone/>
+            </a:pPr>
+            <a:r>
+              <a:t/>
+            </a:r>
+            <a:endParaRPr/>
+          </a:p>
+        </p:txBody>
+      </p:sp>
+      <p:pic>
+        <p:nvPicPr>
+          <p:cNvPr id="167" name="Google Shape;167;p18"/>
+          <p:cNvPicPr preferRelativeResize="0"/>
+          <p:nvPr/>
+        </p:nvPicPr>
+        <p:blipFill>
+          <a:blip r:embed="rId3">
+            <a:alphaModFix/>
+          </a:blip>
+          <a:stretch>
+            <a:fillRect/>
+          </a:stretch>
+        </p:blipFill>
+        <p:spPr>
+          <a:xfrm>
+            <a:off x="1824038" y="747713"/>
+            <a:ext cx="5495925" cy="3648075"/>
+          </a:xfrm>
+          <a:prstGeom prst="rect">
+            <a:avLst/>
+          </a:prstGeom>
+          <a:noFill/>
+          <a:ln>
+            <a:noFill/>
+          </a:ln>
+        </p:spPr>
+      </p:pic>
+    </p:spTree>
+  </p:cSld>
+  <p:clrMapOvr>
+    <a:masterClrMapping/>
+  </p:clrMapOvr>
+</p:sld>
+</file>
+
+<file path=ppt/slides/slide7.xml><?xml version="1.0" encoding="utf-8"?>
+<p:sld xmlns:a="http://schemas.openxmlformats.org/drawingml/2006/main" xmlns:r="http://schemas.openxmlformats.org/officeDocument/2006/relationships" xmlns:mc="http://schemas.openxmlformats.org/markup-compatibility/2006" xmlns:mv="urn:schemas-microsoft-com:mac:vml" xmlns:p="http://schemas.openxmlformats.org/presentationml/2006/main" xmlns:c="http://schemas.openxmlformats.org/drawingml/2006/chart" xmlns:dgm="http://schemas.openxmlformats.org/drawingml/2006/diagram" xmlns:o="urn:schemas-microsoft-com:office:office" xmlns:v="urn:schemas-microsoft-com:vml" xmlns:pvml="urn:schemas-microsoft-com:office:powerpoint" xmlns:com="http://schemas.openxmlformats.org/drawingml/2006/compatibility" xmlns:p14="http://schemas.microsoft.com/office/powerpoint/2010/main" xmlns:p15="http://schemas.microsoft.com/office/powerpoint/2012/main">
+  <p:cSld>
+    <p:spTree>
+      <p:nvGrpSpPr>
+        <p:cNvPr id="171" name="Shape 171"/>
+        <p:cNvGrpSpPr/>
+        <p:nvPr/>
+      </p:nvGrpSpPr>
+      <p:grpSpPr>
+        <a:xfrm>
+          <a:off x="0" y="0"/>
+          <a:ext cx="0" cy="0"/>
+          <a:chOff x="0" y="0"/>
+          <a:chExt cx="0" cy="0"/>
+        </a:xfrm>
+      </p:grpSpPr>
+      <p:sp>
+        <p:nvSpPr>
+          <p:cNvPr id="172" name="Google Shape;172;p19"/>
+          <p:cNvSpPr txBox="1"/>
+          <p:nvPr>
+            <p:ph type="title"/>
+          </p:nvPr>
+        </p:nvSpPr>
+        <p:spPr>
+          <a:xfrm>
+            <a:off x="1297500" y="393750"/>
+            <a:ext cx="7038900" cy="914100"/>
+          </a:xfrm>
+          <a:prstGeom prst="rect">
+            <a:avLst/>
+          </a:prstGeom>
+        </p:spPr>
+        <p:txBody>
+          <a:bodyPr anchorCtr="0" anchor="t" bIns="91425" lIns="91425" spcFirstLastPara="1" rIns="91425" wrap="square" tIns="91425">
+            <a:noAutofit/>
+          </a:bodyPr>
+          <a:lstStyle/>
+          <a:p>
+            <a:pPr indent="0" lvl="0" marL="0" rtl="0" algn="l">
+              <a:spcBef>
+                <a:spcPts val="0"/>
+              </a:spcBef>
+              <a:spcAft>
+                <a:spcPts val="0"/>
+              </a:spcAft>
+              <a:buNone/>
+            </a:pPr>
+            <a:r>
+              <a:rPr lang="en"/>
+              <a:t>Registration/Login</a:t>
+            </a:r>
+            <a:endParaRPr/>
+          </a:p>
+        </p:txBody>
+      </p:sp>
+      <p:sp>
+        <p:nvSpPr>
+          <p:cNvPr id="173" name="Google Shape;173;p19"/>
+          <p:cNvSpPr txBox="1"/>
+          <p:nvPr>
+            <p:ph idx="1" type="body"/>
+          </p:nvPr>
+        </p:nvSpPr>
+        <p:spPr>
+          <a:xfrm>
+            <a:off x="1297500" y="1567550"/>
+            <a:ext cx="7038900" cy="2911200"/>
+          </a:xfrm>
+          <a:prstGeom prst="rect">
+            <a:avLst/>
+          </a:prstGeom>
+        </p:spPr>
+        <p:txBody>
+          <a:bodyPr anchorCtr="0" anchor="t" bIns="91425" lIns="91425" spcFirstLastPara="1" rIns="91425" wrap="square" tIns="91425">
+            <a:noAutofit/>
+          </a:bodyPr>
+          <a:lstStyle/>
+          <a:p>
+            <a:pPr indent="0" lvl="0" marL="0" rtl="0" algn="l">
+              <a:spcBef>
+                <a:spcPts val="0"/>
+              </a:spcBef>
+              <a:spcAft>
+                <a:spcPts val="0"/>
+              </a:spcAft>
+              <a:buNone/>
+            </a:pPr>
+            <a:r>
+              <a:rPr lang="en"/>
+              <a:t>Create account</a:t>
+            </a:r>
+            <a:endParaRPr/>
+          </a:p>
+          <a:p>
+            <a:pPr indent="0" lvl="0" marL="0" rtl="0" algn="l">
+              <a:spcBef>
+                <a:spcPts val="1600"/>
+              </a:spcBef>
+              <a:spcAft>
+                <a:spcPts val="0"/>
+              </a:spcAft>
+              <a:buNone/>
+            </a:pPr>
+            <a:r>
+              <a:rPr lang="en"/>
+              <a:t>	Confirmation email</a:t>
+            </a:r>
+            <a:endParaRPr/>
+          </a:p>
+          <a:p>
+            <a:pPr indent="0" lvl="0" marL="0" rtl="0" algn="l">
+              <a:spcBef>
+                <a:spcPts val="1600"/>
+              </a:spcBef>
+              <a:spcAft>
+                <a:spcPts val="0"/>
+              </a:spcAft>
+              <a:buNone/>
+            </a:pPr>
+            <a:r>
+              <a:t/>
+            </a:r>
+            <a:endParaRPr/>
+          </a:p>
+          <a:p>
+            <a:pPr indent="0" lvl="0" marL="0" rtl="0" algn="l">
+              <a:spcBef>
+                <a:spcPts val="1600"/>
+              </a:spcBef>
+              <a:spcAft>
+                <a:spcPts val="1600"/>
+              </a:spcAft>
+              <a:buNone/>
+            </a:pPr>
+            <a:r>
+              <a:rPr lang="en"/>
+              <a:t>Separate student and admin login</a:t>
+            </a:r>
+            <a:endParaRPr/>
+          </a:p>
+        </p:txBody>
+      </p:sp>
+    </p:spTree>
+  </p:cSld>
+  <p:clrMapOvr>
+    <a:masterClrMapping/>
+  </p:clrMapOvr>
+</p:sld>
+</file>
+
+<file path=ppt/slides/slide8.xml><?xml version="1.0" encoding="utf-8"?>
+<p:sld xmlns:a="http://schemas.openxmlformats.org/drawingml/2006/main" xmlns:r="http://schemas.openxmlformats.org/officeDocument/2006/relationships" xmlns:mc="http://schemas.openxmlformats.org/markup-compatibility/2006" xmlns:mv="urn:schemas-microsoft-com:mac:vml" xmlns:p="http://schemas.openxmlformats.org/presentationml/2006/main" xmlns:c="http://schemas.openxmlformats.org/drawingml/2006/chart" xmlns:dgm="http://schemas.openxmlformats.org/drawingml/2006/diagram" xmlns:o="urn:schemas-microsoft-com:office:office" xmlns:v="urn:schemas-microsoft-com:vml" xmlns:pvml="urn:schemas-microsoft-com:office:powerpoint" xmlns:com="http://schemas.openxmlformats.org/drawingml/2006/compatibility" xmlns:p14="http://schemas.microsoft.com/office/powerpoint/2010/main" xmlns:p15="http://schemas.microsoft.com/office/powerpoint/2012/main">
+  <p:cSld>
+    <p:spTree>
+      <p:nvGrpSpPr>
+        <p:cNvPr id="177" name="Shape 177"/>
+        <p:cNvGrpSpPr/>
+        <p:nvPr/>
+      </p:nvGrpSpPr>
+      <p:grpSpPr>
+        <a:xfrm>
+          <a:off x="0" y="0"/>
+          <a:ext cx="0" cy="0"/>
+          <a:chOff x="0" y="0"/>
+          <a:chExt cx="0" cy="0"/>
+        </a:xfrm>
+      </p:grpSpPr>
+      <p:sp>
+        <p:nvSpPr>
+          <p:cNvPr id="178" name="Google Shape;178;p20"/>
+          <p:cNvSpPr txBox="1"/>
+          <p:nvPr>
+            <p:ph type="title"/>
+          </p:nvPr>
+        </p:nvSpPr>
+        <p:spPr>
+          <a:xfrm>
+            <a:off x="1297500" y="393750"/>
+            <a:ext cx="7038900" cy="914100"/>
+          </a:xfrm>
+          <a:prstGeom prst="rect">
+            <a:avLst/>
+          </a:prstGeom>
+        </p:spPr>
+        <p:txBody>
+          <a:bodyPr anchorCtr="0" anchor="t" bIns="91425" lIns="91425" spcFirstLastPara="1" rIns="91425" wrap="square" tIns="91425">
+            <a:noAutofit/>
+          </a:bodyPr>
+          <a:lstStyle/>
+          <a:p>
+            <a:pPr indent="0" lvl="0" marL="0" rtl="0" algn="l">
+              <a:spcBef>
+                <a:spcPts val="0"/>
+              </a:spcBef>
+              <a:spcAft>
+                <a:spcPts val="0"/>
+              </a:spcAft>
+              <a:buNone/>
+            </a:pPr>
+            <a:r>
+              <a:t/>
+            </a:r>
+            <a:endParaRPr/>
+          </a:p>
+        </p:txBody>
+      </p:sp>
+      <p:sp>
+        <p:nvSpPr>
+          <p:cNvPr id="179" name="Google Shape;179;p20"/>
+          <p:cNvSpPr txBox="1"/>
+          <p:nvPr>
+            <p:ph idx="1" type="body"/>
+          </p:nvPr>
+        </p:nvSpPr>
+        <p:spPr>
+          <a:xfrm>
+            <a:off x="1297500" y="1567550"/>
+            <a:ext cx="7038900" cy="2911200"/>
+          </a:xfrm>
+          <a:prstGeom prst="rect">
+            <a:avLst/>
+          </a:prstGeom>
+        </p:spPr>
+        <p:txBody>
+          <a:bodyPr anchorCtr="0" anchor="t" bIns="91425" lIns="91425" spcFirstLastPara="1" rIns="91425" wrap="square" tIns="91425">
+            <a:noAutofit/>
+          </a:bodyPr>
+          <a:lstStyle/>
+          <a:p>
+            <a:pPr indent="0" lvl="0" marL="0" rtl="0" algn="l">
+              <a:spcBef>
+                <a:spcPts val="0"/>
+              </a:spcBef>
+              <a:spcAft>
+                <a:spcPts val="1600"/>
+              </a:spcAft>
+              <a:buNone/>
+            </a:pPr>
+            <a:r>
+              <a:t/>
+            </a:r>
+            <a:endParaRPr/>
+          </a:p>
+        </p:txBody>
+      </p:sp>
+      <p:pic>
+        <p:nvPicPr>
+          <p:cNvPr id="180" name="Google Shape;180;p20"/>
+          <p:cNvPicPr preferRelativeResize="0"/>
+          <p:nvPr/>
+        </p:nvPicPr>
+        <p:blipFill>
+          <a:blip r:embed="rId3">
+            <a:alphaModFix/>
+          </a:blip>
+          <a:stretch>
+            <a:fillRect/>
+          </a:stretch>
+        </p:blipFill>
+        <p:spPr>
+          <a:xfrm>
+            <a:off x="2400300" y="85725"/>
+            <a:ext cx="4343400" cy="4972050"/>
+          </a:xfrm>
+          <a:prstGeom prst="rect">
+            <a:avLst/>
+          </a:prstGeom>
+          <a:noFill/>
+          <a:ln>
+            <a:noFill/>
+          </a:ln>
+        </p:spPr>
+      </p:pic>
+    </p:spTree>
+  </p:cSld>
+  <p:clrMapOvr>
+    <a:masterClrMapping/>
+  </p:clrMapOvr>
+</p:sld>
+</file>
+
+<file path=ppt/slides/slide9.xml><?xml version="1.0" encoding="utf-8"?>
+<p:sld xmlns:a="http://schemas.openxmlformats.org/drawingml/2006/main" xmlns:r="http://schemas.openxmlformats.org/officeDocument/2006/relationships" xmlns:mc="http://schemas.openxmlformats.org/markup-compatibility/2006" xmlns:mv="urn:schemas-microsoft-com:mac:vml" xmlns:p="http://schemas.openxmlformats.org/presentationml/2006/main" xmlns:c="http://schemas.openxmlformats.org/drawingml/2006/chart" xmlns:dgm="http://schemas.openxmlformats.org/drawingml/2006/diagram" xmlns:o="urn:schemas-microsoft-com:office:office" xmlns:v="urn:schemas-microsoft-com:vml" xmlns:pvml="urn:schemas-microsoft-com:office:powerpoint" xmlns:com="http://schemas.openxmlformats.org/drawingml/2006/compatibility" xmlns:p14="http://schemas.microsoft.com/office/powerpoint/2010/main" xmlns:p15="http://schemas.microsoft.com/office/powerpoint/2012/main">
+  <p:cSld>
+    <p:spTree>
+      <p:nvGrpSpPr>
+        <p:cNvPr id="184" name="Shape 184"/>
+        <p:cNvGrpSpPr/>
+        <p:nvPr/>
+      </p:nvGrpSpPr>
+      <p:grpSpPr>
+        <a:xfrm>
+          <a:off x="0" y="0"/>
+          <a:ext cx="0" cy="0"/>
+          <a:chOff x="0" y="0"/>
+          <a:chExt cx="0" cy="0"/>
+        </a:xfrm>
+      </p:grpSpPr>
+      <p:sp>
+        <p:nvSpPr>
+          <p:cNvPr id="185" name="Google Shape;185;p21"/>
+          <p:cNvSpPr txBox="1"/>
+          <p:nvPr>
+            <p:ph type="title"/>
+          </p:nvPr>
+        </p:nvSpPr>
+        <p:spPr>
+          <a:xfrm>
+            <a:off x="1297500" y="393750"/>
+            <a:ext cx="7038900" cy="914100"/>
+          </a:xfrm>
+          <a:prstGeom prst="rect">
+            <a:avLst/>
+          </a:prstGeom>
+        </p:spPr>
+        <p:txBody>
+          <a:bodyPr anchorCtr="0" anchor="t" bIns="91425" lIns="91425" spcFirstLastPara="1" rIns="91425" wrap="square" tIns="91425">
+            <a:noAutofit/>
+          </a:bodyPr>
+          <a:lstStyle/>
+          <a:p>
+            <a:pPr indent="0" lvl="0" marL="0" rtl="0" algn="l">
+              <a:spcBef>
+                <a:spcPts val="0"/>
+              </a:spcBef>
+              <a:spcAft>
+                <a:spcPts val="0"/>
+              </a:spcAft>
+              <a:buNone/>
+            </a:pPr>
+            <a:r>
+              <a:t/>
+            </a:r>
+            <a:endParaRPr/>
+          </a:p>
+        </p:txBody>
+      </p:sp>
+      <p:sp>
+        <p:nvSpPr>
+          <p:cNvPr id="186" name="Google Shape;186;p21"/>
+          <p:cNvSpPr txBox="1"/>
+          <p:nvPr>
+            <p:ph idx="1" type="body"/>
+          </p:nvPr>
+        </p:nvSpPr>
+        <p:spPr>
+          <a:xfrm>
+            <a:off x="1297500" y="1567550"/>
+            <a:ext cx="7038900" cy="2911200"/>
+          </a:xfrm>
+          <a:prstGeom prst="rect">
+            <a:avLst/>
+          </a:prstGeom>
+        </p:spPr>
+        <p:txBody>
+          <a:bodyPr anchorCtr="0" anchor="t" bIns="91425" lIns="91425" spcFirstLastPara="1" rIns="91425" wrap="square" tIns="91425">
+            <a:noAutofit/>
+          </a:bodyPr>
+          <a:lstStyle/>
+          <a:p>
+            <a:pPr indent="0" lvl="0" marL="0" rtl="0" algn="l">
+              <a:spcBef>
+                <a:spcPts val="0"/>
+              </a:spcBef>
+              <a:spcAft>
+                <a:spcPts val="1600"/>
+              </a:spcAft>
+              <a:buNone/>
+            </a:pPr>
+            <a:r>
+              <a:t/>
+            </a:r>
+            <a:endParaRPr/>
+          </a:p>
+        </p:txBody>
+      </p:sp>
+      <p:pic>
+        <p:nvPicPr>
+          <p:cNvPr id="187" name="Google Shape;187;p21"/>
+          <p:cNvPicPr preferRelativeResize="0"/>
+          <p:nvPr/>
+        </p:nvPicPr>
+        <p:blipFill>
+          <a:blip r:embed="rId3">
+            <a:alphaModFix/>
+          </a:blip>
+          <a:stretch>
+            <a:fillRect/>
+          </a:stretch>
+        </p:blipFill>
+        <p:spPr>
+          <a:xfrm>
+            <a:off x="2262188" y="223838"/>
+            <a:ext cx="4619625" cy="4695825"/>
+          </a:xfrm>
+          <a:prstGeom prst="rect">
+            <a:avLst/>
+          </a:prstGeom>
+          <a:noFill/>
+          <a:ln>
+            <a:noFill/>
+          </a:ln>
+        </p:spPr>
+      </p:pic>
     </p:spTree>
   </p:cSld>
   <p:clrMapOvr>
